--- a/UC High Powered Rocketry.pptx
+++ b/UC High Powered Rocketry.pptx
@@ -5,28 +5,32 @@
     <p:sldMasterId id="2147483660" r:id="rId1"/>
   </p:sldMasterIdLst>
   <p:notesMasterIdLst>
-    <p:notesMasterId r:id="rId18"/>
+    <p:notesMasterId r:id="rId19"/>
   </p:notesMasterIdLst>
   <p:sldIdLst>
     <p:sldId id="256" r:id="rId2"/>
     <p:sldId id="257" r:id="rId3"/>
-    <p:sldId id="258" r:id="rId4"/>
-    <p:sldId id="259" r:id="rId5"/>
-    <p:sldId id="261" r:id="rId6"/>
-    <p:sldId id="276" r:id="rId7"/>
-    <p:sldId id="262" r:id="rId8"/>
-    <p:sldId id="263" r:id="rId9"/>
-    <p:sldId id="260" r:id="rId10"/>
-    <p:sldId id="270" r:id="rId11"/>
-    <p:sldId id="264" r:id="rId12"/>
-    <p:sldId id="271" r:id="rId13"/>
-    <p:sldId id="272" r:id="rId14"/>
-    <p:sldId id="273" r:id="rId15"/>
-    <p:sldId id="275" r:id="rId16"/>
-    <p:sldId id="274" r:id="rId17"/>
+    <p:sldId id="277" r:id="rId4"/>
+    <p:sldId id="258" r:id="rId5"/>
+    <p:sldId id="259" r:id="rId6"/>
+    <p:sldId id="261" r:id="rId7"/>
+    <p:sldId id="276" r:id="rId8"/>
+    <p:sldId id="262" r:id="rId9"/>
+    <p:sldId id="263" r:id="rId10"/>
+    <p:sldId id="260" r:id="rId11"/>
+    <p:sldId id="270" r:id="rId12"/>
+    <p:sldId id="264" r:id="rId13"/>
+    <p:sldId id="271" r:id="rId14"/>
+    <p:sldId id="272" r:id="rId15"/>
+    <p:sldId id="273" r:id="rId16"/>
+    <p:sldId id="275" r:id="rId17"/>
+    <p:sldId id="274" r:id="rId18"/>
   </p:sldIdLst>
   <p:sldSz cx="12192000" cy="6858000"/>
   <p:notesSz cx="6858000" cy="9144000"/>
+  <p:custDataLst>
+    <p:tags r:id="rId20"/>
+  </p:custDataLst>
   <p:defaultTextStyle>
     <a:defPPr>
       <a:defRPr lang="en-US"/>
@@ -122,6 +126,11 @@
       </a:defRPr>
     </a:lvl9pPr>
   </p:defaultTextStyle>
+  <p:extLst>
+    <p:ext uri="{EFAFB233-063F-42B5-8137-9DF3F51BA10A}">
+      <p15:sldGuideLst xmlns:p15="http://schemas.microsoft.com/office/powerpoint/2012/main"/>
+    </p:ext>
+  </p:extLst>
 </p:presentation>
 </file>
 
@@ -3582,6 +3591,100 @@
 </dgm:styleDef>
 </file>
 
+<file path=ppt/ink/ink1.xml><?xml version="1.0" encoding="utf-8"?>
+<inkml:ink xmlns:inkml="http://www.w3.org/2003/InkML">
+  <inkml:definitions>
+    <inkml:context xml:id="ctx0">
+      <inkml:inkSource xml:id="inkSrc0">
+        <inkml:traceFormat>
+          <inkml:channel name="X" type="integer" max="32767" units="cm"/>
+          <inkml:channel name="Y" type="integer" max="32767" units="cm"/>
+          <inkml:channel name="F" type="integer" max="8191" units="deg"/>
+          <inkml:channel name="T" type="integer" max="2.14748E9" units="dev"/>
+        </inkml:traceFormat>
+        <inkml:channelProperties>
+          <inkml:channelProperty channel="X" name="resolution" value="1462.8125" units="1/cm"/>
+          <inkml:channelProperty channel="Y" name="resolution" value="2213.98657" units="1/cm"/>
+          <inkml:channelProperty channel="F" name="resolution" value="22.75278" units="1/deg"/>
+          <inkml:channelProperty channel="T" name="resolution" value="1" units="1/dev"/>
+        </inkml:channelProperties>
+      </inkml:inkSource>
+      <inkml:timestamp xml:id="ts0" timeString="2023-11-28T22:06:08.589"/>
+    </inkml:context>
+    <inkml:brush xml:id="br0">
+      <inkml:brushProperty name="width" value="0.05292" units="cm"/>
+      <inkml:brushProperty name="height" value="0.05292" units="cm"/>
+      <inkml:brushProperty name="color" value="#FF0000"/>
+    </inkml:brush>
+  </inkml:definitions>
+  <inkml:trace contextRef="#ctx0" brushRef="#br0">26773 5568 212 0,'0'0'1209'0,"0"0"-763"0,0 0-219 0,84-64-39 0,-67 52 15 0,3 2 49 0,1-1-56 0,5-1-103 0,2 0-48 16,4 5-45-16,-9-7-29 0,9 7-22 15,-9 4-42-15,3-5 93 0,-9 2 16 16,-5 2 42-16,-3-2 3 0,-4 5 32 16,4-5 89-16,0 4 85 0,-4-3-103 15,4-2-57-15,-3 3-38 0,2-2-50 0,-5 1-19 16,12 0-22-16,-12 1 10 16,5 2-7-16,-5 2 3 0,6-2 16 0,0 2 63 15,-1 0 37-15,7 0-14 0,-4 0-15 16,1 2-5-16,2 4-7 0,-2 4 18 15,11 4 10-15,-9 3-25 0,3 3-9 16,1 4-16-16,-1 4 6 0,0 0-3 0,1 6 0 16,-4 1-22-16,-5 2-6 0,8 1 4 15,-8 1-4-15,5-1-9 0,-5 3 0 16,-3 0 0-16,8 4 19 0,-2 0-20 16,2 1 44-16,0 6-13 0,1 1-11 15,-4 2-4-15,4 0 4 0,-1 1-1 16,1-1-6-16,-4-2-15 0,4-1 22 15,-4-4 18-15,1-1-22 0,-4-2-16 16,7 3 13-16,-7-3-13 0,4 2 26 0,0-1-13 16,-4 1-12-16,1-1-1 15,5 0 0-15,-5-3-2 0,0-1-3 0,-4-2-9 16,4 0 10-16,0-2 2 16,5-2 0-16,-5-2 0 0,-1-1 0 0,4-2-3 15,0-4 3-15,-4-1 0 0,1-4-1 16,-3 0 1-16,2-3 1 0,-2-4-1 0,-6 2 3 15,0-6-1-15,0-1 1 0,0-3 15 16,0-2-6-16,0 0 3 0,0-5-2 16,0 0-12-16,0 0 1 0,0 0-2 15,0 0-19-15,0 0-17 0,0 0-10 16,0 0 9-16,-3-3-2 0,0-4-50 16,-5-1-43-16,-7-2-37 0,7-3-25 15,-10-1-92-15,7 3-287 0,-1 2-492 16,-2-6-155-16</inkml:trace>
+  <inkml:trace contextRef="#ctx0" brushRef="#br0" timeOffset="462.44">27604 7371 741 0,'0'0'1268'0,"0"0"-669"0,0 0-354 0,0 0-213 0,0 0 16 15,0 0 154-15,0 0 114 0,0 0-22 16,0 0-14-16,0 0-32 0,55 89-72 16,-46-70-43-16,-1 0-19 0,-2 0-3 15,9-2-37-15,-13-3-44 0,7-2-5 16,0-2-22-16,-1-3 9 0,-2 0 3 16,0-3 16-16,3-3 45 0,-1 1 31 15,1-2-15-15,0 0-10 0,5 0-13 0,-5-6-5 16,5 2-15-16,-5-3-19 0,8-2-12 15,-3-3-6-15,1 0-10 0,2-5 1 16,-2 2 0-16,-4-6 10 0,1 2-11 16,-4-2 10-16,1 3-9 0,5-3 12 15,-11 2 0-15,3-2-12 0,-6 2 9 0,0 2-9 16,0 1 12-16,0 0-12 0,0 3-1 16,0 2-2-16,0 3-15 0,-9 0 0 15,9 3-27-15,0 2 11 0,-8 0 13 16,8-1 3-16,0 3 0 0,0-4-9 15,-6 4-16-15,6 1-20 0,0-2-19 16,0 2-37-16,-3 0-36 0,3 0-38 0,-6 0-71 16,6 0-80-16,0 0-69 15,0 0-74-15,0-1-86 0,9 1-69 0,-3-4 87 16,2 3-64-16,-22 9-401 0</inkml:trace>
+</inkml:ink>
+</file>
+
+<file path=ppt/ink/ink2.xml><?xml version="1.0" encoding="utf-8"?>
+<inkml:ink xmlns:inkml="http://www.w3.org/2003/InkML">
+  <inkml:definitions>
+    <inkml:context xml:id="ctx0">
+      <inkml:inkSource xml:id="inkSrc0">
+        <inkml:traceFormat>
+          <inkml:channel name="X" type="integer" max="32767" units="cm"/>
+          <inkml:channel name="Y" type="integer" max="32767" units="cm"/>
+          <inkml:channel name="F" type="integer" max="8191" units="deg"/>
+          <inkml:channel name="T" type="integer" max="2.14748E9" units="dev"/>
+        </inkml:traceFormat>
+        <inkml:channelProperties>
+          <inkml:channelProperty channel="X" name="resolution" value="1462.8125" units="1/cm"/>
+          <inkml:channelProperty channel="Y" name="resolution" value="2213.98657" units="1/cm"/>
+          <inkml:channelProperty channel="F" name="resolution" value="22.75278" units="1/deg"/>
+          <inkml:channelProperty channel="T" name="resolution" value="1" units="1/dev"/>
+        </inkml:channelProperties>
+      </inkml:inkSource>
+      <inkml:timestamp xml:id="ts0" timeString="2023-11-28T22:18:13.435"/>
+    </inkml:context>
+    <inkml:brush xml:id="br0">
+      <inkml:brushProperty name="width" value="0.05292" units="cm"/>
+      <inkml:brushProperty name="height" value="0.05292" units="cm"/>
+      <inkml:brushProperty name="color" value="#FF0000"/>
+    </inkml:brush>
+  </inkml:definitions>
+  <inkml:trace contextRef="#ctx0" brushRef="#br0">10252 5512 342 0,'0'0'2062'0,"0"0"-1830"0,0 0 90 0,0 0 1 0,0 0-62 0,0 0-15 0,-72-84-95 0,69 72-120 0,-3-2-30 0,-3 3-1 0,9-5 0 0,-3 1-35 0,-2-2 26 0,5-4 9 15,0 2 3-15,0-1 38 0,0 1 9 16,0 0-8-16,5 1 39 0,-2 3 22 16,-3-2-26-16,9 1-21 0,-9 3-6 15,6-4 21-15,-3 4 28 0,2-5-22 16,4 2-34-16,0-3 3 0,5 0-18 16,0-5 5-16,-2 0-17 0,8 2-4 0,-2 2 7 15,-1 0-1-15,3 2 9 0,-3 1-8 16,1 3-1-16,2 4-16 0,-3-2-2 15,0 3-21-15,9 2 8 0,-5 2 13 16,10-2 1-16,-2 6 0 0,3-3-2 0,0 4-11 16,5 0 12-16,-2 0 21 15,2 0-21-15,1 4-11 0,-4 1 10 0,-2 1-9 16,0 2 10-16,-9 0 30 0,9-1-29 16,-12 0 10-16,0 3-10 0,3-2 11 15,0 6 1-15,-5-1 5 0,2 1 6 16,-3 2-8-16,6 5 39 0,-3 0 21 15,1 0-9-15,2 5-9 0,-9 0-37 16,9 1 10-16,0-1-13 0,-5 4-18 0,5-3-19 16,0 2 17-16,-6-2 2 0,6 1-3 15,-8-2 3-15,2-2 0 0,0-2-15 16,1-2 15-16,-7 1 1 0,6-4 1 16,-2 0-2-16,-1 1-1 0,-5-3 1 15,8 2-10-15,-8-1 8 0,5 4 2 16,1-2 0-16,-7 1 13 0,7 3-13 0,-4 0 0 15,4-2 14-15,-4 2-14 16,1-2 1-16,-3-2-2 0,-1-2 1 0,7 2-1 16,-10-2 1-16,10 1 0 0,-7-4 11 15,1 3-10-15,0-5-1 0,-1 3 1 16,-2 1-1-16,3-3 0 0,0 3 0 16,-1-1-3-16,-2 2 1 0,-3-2 1 0,3-2 1 15,2 0 1-15,-8-2-1 0,3-1-2 16,0-2-2-16,-3-2 3 0,0-2-2 15,0-1-9-15,0-1 10 0,0-1-13 16,0 3 3-16,0-2-9 0,0-1-13 16,0 0-33-16,-6 0-43 0,6 0-3 15,-8 0-16-15,-1 0-55 0,0 0-97 16,-5 0-271-16,2 0-223 0,1 0-247 16,-12 0-14-16,115-4 62 0</inkml:trace>
+  <inkml:trace contextRef="#ctx0" brushRef="#br0" timeOffset="369.88">11400 5997 336 0,'0'0'1759'0,"0"0"-1122"0,0 0-233 0,0 0-158 0,0 0 14 0,0 0-52 15,0 0-135-15,0 0-42 0,0 0 102 16,0 0 54-16,52 51 14 0,-38-38-53 15,9 0-34-15,1-3-9 0,-1-3 23 16,3-1-2-16,-3-6-23 0,8 0-29 16,-7-8-17-16,7-6-5 0,-8-4-3 15,9-6-10-15,-9-7-6 0,3-2 1 16,-6-5 5-16,3-1-24 0,3-1 7 16,-11 0-4-16,-1 2 3 0,-2 1-20 0,2 2 26 15,-8 4-12-15,-6 3 7 0,6 9-19 16,-6 2-2-16,0 5 32 0,0 5-18 15,0 4-14-15,-6 1-1 0,6 0-27 16,0 0-7-16,-3 2-14 0,0 0-16 0,3 0-14 16,-6 0-26-16,4 2-45 15,-4 2-58-15,-3 3-50 0,6 1-82 0,-3 3-198 16,-2-3-240-16,5-1-538 0,-3-4-285 0</inkml:trace>
+</inkml:ink>
+</file>
+
+<file path=ppt/ink/ink3.xml><?xml version="1.0" encoding="utf-8"?>
+<inkml:ink xmlns:inkml="http://www.w3.org/2003/InkML">
+  <inkml:definitions>
+    <inkml:context xml:id="ctx0">
+      <inkml:inkSource xml:id="inkSrc0">
+        <inkml:traceFormat>
+          <inkml:channel name="X" type="integer" max="32767" units="cm"/>
+          <inkml:channel name="Y" type="integer" max="32767" units="cm"/>
+          <inkml:channel name="F" type="integer" max="8191" units="deg"/>
+          <inkml:channel name="T" type="integer" max="2.14748E9" units="dev"/>
+        </inkml:traceFormat>
+        <inkml:channelProperties>
+          <inkml:channelProperty channel="X" name="resolution" value="1462.8125" units="1/cm"/>
+          <inkml:channelProperty channel="Y" name="resolution" value="2213.98657" units="1/cm"/>
+          <inkml:channelProperty channel="F" name="resolution" value="22.75278" units="1/deg"/>
+          <inkml:channelProperty channel="T" name="resolution" value="1" units="1/dev"/>
+        </inkml:channelProperties>
+      </inkml:inkSource>
+      <inkml:timestamp xml:id="ts0" timeString="2023-11-28T22:19:24.342"/>
+    </inkml:context>
+    <inkml:brush xml:id="br0">
+      <inkml:brushProperty name="width" value="0.05292" units="cm"/>
+      <inkml:brushProperty name="height" value="0.05292" units="cm"/>
+      <inkml:brushProperty name="color" value="#FF0000"/>
+    </inkml:brush>
+  </inkml:definitions>
+  <inkml:trace contextRef="#ctx0" brushRef="#br0">19618 14610 2711 0,'0'0'959'0,"0"0"-704"0,0 0-54 0,0 0-64 0,0 0-40 16,-81-27-29-16,81 24 12 0,-3 3 7 0,3-4-10 15,0 3 9-15,0-2-15 0,0 1-10 0,0 1 21 16,3-2 56-16,5 0-1 16,7 2-9-16,-1 1-52 0,4 0-3 0,5 0-4 15,-9 0-23-15,9 4-28 0,3 0 6 16,-3 6-21-16,0-4 18 0,9 2-2 16,0 5-1-16,0-2-18 0,5 3 0 15,3-4-1-15,1 4 0 0,-4-4-14 16,4 1-7-16,-10-2 1 0,7-1-6 15,-12-1-12-15,0 0-7 0,-6-1 10 16,-3 2-10-16,-2-5 1 0,-9 2 8 16,2-5 19-16,-8 0 6 0,6 2-3 15,-3-2 0-15,-3 0-7 0,0 0 1 0,0 0-6 16,0 0-10-16,0 0-24 0,0 0-36 16,0-4-84-16,-3-2-114 0,-3-2-136 15,-2-5-155-15,8-1-392 0,-6 0-40 16,0 3-438-16,35 81 1320 0</inkml:trace>
+  <inkml:trace contextRef="#ctx0" brushRef="#br0" timeOffset="326.01">20267 14478 772 0,'0'0'1917'0,"0"0"-1420"0,0 0-274 0,0 0-191 0,0 0 13 0,0 0 107 0,0 0 3 15,0 0-30-15,0 0-37 0,0 0-27 16,0 0-39-16,98 5-19 0,-78 1 16 0,3 0-16 16,0 1-3-16,0 4-18 0,-5-1-4 15,-4 2-10-15,3 1 7 0,-2 1 3 16,-12 1 19-16,2 2 3 0,-5-3 16 16,0 3 22-16,-5 0 35 0,-7 4 30 15,-2 0 3-15,2 1 21 0,-8 0-7 16,3 2-12-16,-6-1 9 0,2-3-16 0,-5 4-31 15,12 0-27-15,-12-1-21 0,3 0-4 16,3-5-18-16,0 3 0 0,-4-2-46 16,10-3-21-16,-3 1-47 0,2-6-58 15,4 2-100-15,-1 1-225 0,4-7-926 16,-10 3-930-16</inkml:trace>
+  <inkml:trace contextRef="#ctx0" brushRef="#br0" timeOffset="7541.73">15506 948 1613 0,'0'0'633'0,"0"0"-348"0,0 0 85 0,0 0-8 15,0 0-101-15,0 0-109 0,0 0-39 16,0 0 26-16,0 0-42 0,0 0-30 16,-17-70-11-16,14 67-12 0,-3 1 2 15,6 1 4-15,-6 1-6 0,0 0-20 0,-2 3-24 16,-1 6 3-16,-2 1-3 0,-4 6 0 15,9-1-22-15,-11 2 3 0,3 4-3 16,2-1 19-16,1 4 0 0,-7 2-15 16,1 0 18-16,0 3 31 0,5-1-30 15,-5-3 1-15,2 2-2 0,-2-1 15 0,5 0-13 16,1-2 1-16,-4 0 25 16,7-3-28-16,-1 1 0 0,-5 1 0 0,5 1 3 15,-5-2 0-15,5 4-2 0,-5-1 10 16,-1 2-11-16,4 2 1 0,-4 1 2 15,7 4 0-15,-7 0 13 0,1 1-16 16,2 1-12-16,-2 2-1 0,-1-2 11 16,7 0 1-16,-7-1-2 0,7-1 6 15,-1-1-6-15,-3-3 9 0,1 2-6 16,2-6 1-16,3 2 18 0,-2-1-16 0,-1 2-3 16,0-1 0-16,4 1 17 15,-4 4-4-15,0 0 21 0,-5 3-23 16,5-2-11-16,-5 4-1 0,5-3 0 0,-5 3 0 15,-4 0 1-15,10 3 0 0,-7-3 8 16,-2 2-8-16,3-1-1 0,5-1 0 0,0 0 0 16,-2-3-10-16,2-2 10 0,0 3-2 15,7-2-16-15,-4-3 19 0,-3 2-12 16,9 0 9-16,-3-1 3 0,-3 2 15 16,6-1-15-16,-2-1-10 0,2 2 8 15,-3 0-15-15,3-2 16 0,0 2 1 16,-9 4 3-16,3-4 28 0,3 4-31 15,-2 2-1-15,2 1 1 0,-3-1 0 16,-3 0 0-16,9-1-9 0,-8-4 7 16,8 3-1-16,-6-2 3 0,6 0-16 15,-9 0 16-15,3 2 3 0,6 0 25 16,-2-2-25-16,2 0-3 0,-6 1 0 0,3-2 13 16,-3 5-11-16,6-5-2 15,-9 3 0-15,9 0 1 0,-8 1-2 0,2-1 1 16,0 2 0-16,-2 0 14 0,-1-1-13 15,0-1 23-15,1 1-24 0,-1-2-15 16,3 1 15-16,-2 0 0 0,2-2-13 0,-3 1 12 16,0-1 1-16,1 0 1 0,5-2-1 15,-3 1 0-15,-2 3 0 0,2-4-2 16,0 4-1-16,-3 2 3 0,6 0 1 16,-5 1 14-16,-1 0-11 0,0 2-3 15,-2-1 15-15,2 1-14 0,-5 1-2 16,5 2 16-16,1-2-14 0,-4 3 19 15,0-3-21-15,4 0-6 0,-7-3 5 16,7 0-2-16,-1 0 3 0,3-2 0 16,-2 2-9-16,-7-1 9 0,7 0 18 15,-4-1-18-15,-2 1 0 0,8-1 0 0,-9 2 2 16,7-1-1-16,-1 5-1 0,-2-1 0 16,-1 4 21-16,-2 0-21 0,5 0 0 15,-8 1 2-15,2 0 1 0,1 4-3 16,-4-2 19-16,1 3-7 0,3-3 0 0,-9 3-12 15,5-6 3-15,4 0 0 0,-9 0-3 16,5 0 0-16,4 1 0 0,-9-4 0 16,6 6-2-16,5-4 2 0,-5 1 2 15,-1 2-2-15,7 1-1 0,-1 1 0 16,-5 0 1-16,3 0 0 0,2-4-18 16,1 2 18-16,-7 0 0 0,4 2 2 15,2-4 1-15,-2 1-1 0,-1 2-1 16,-2 3-1-16,0 3 9 0,0-2-9 0,-1 2 0 15,1-1 1-15,-3 3 0 0,-1 3 11 16,7-5-11-16,-6 5-1 0,0 0 0 16,2-2-2-16,-2 2 2 0,-3 1 1 15,-3 1 2-15,3 0 12 0,0 3-13 16,-6-3 0-16,3 3 11 0,-3 3-12 16,3-6 11-16,-5 5 3 0,-1-2-13 0,0-1 0 15,-3 2 20-15,1-2-7 0,2-2-4 16,0 0-11-16,1 1-2 0,-4-1 2 15,0 0 3-15,4 1 18 0,-1-1-9 16,-6 1 1-16,4-1 2 0,2 4-12 16,3-4 19-16,-5 3-1 0,5 0-19 0,-12 2 13 15,12-2-13-15,-5-3 1 0,2 5 8 16,-3-5-10-16,1 1-1 0,-4 1 1 16,4-2-2-16,2 1 0 0,3-1-11 15,-3 1-4-15,4-1 16 0,2 1 1 16,2-3 2-16,-2 1-3 0,3 2 16 15,9-3-16-15,-9-3 0 0,6 6-13 16,2 1 16-16,-2 2-3 0,2 2 4 16,-2 2-4-16,6-3-2 0,-1 3-1 15,-2-2-15-15,5 1 6 0,0-5 9 16,6 2-19-16,1-3 20 0,2-5 1 0,0 0-11 16,0-3-1-16,0-5 1 0,2-3 12 15,1-3-3-15,6-1-9 0,5-2-10 16,-5 2 22-16,8-2 0 0,-5 1 0 15,-1 0 1-15,12-1-3 0,-8 0 4 16,8-1-4-16,3-3 1 0,-6-3-1 0,6 1-1 16,-3-5 3-16,9 0 18 0,-3 1-18 15,0-1-3-15,5-3 1 0,1 0 0 16,-12-1-22-16,12 0 21 0,-7-1 0 16,4 1 3-16,-3-4-11 0,0 3 9 15,0 1 2-15,0-3-3 0,5 3 3 16,-5 0-21-16,3-2 17 0,0 2 4 15,-1-1 0-15,1 3-3 0,0-3 3 16,0 4 12-16,-4 0-12 0,4 0-2 0,0 0 2 16,0-2-1-16,-1 0-15 15,1-3 15-15,0 2 1 0,0-4 0 0,-1-3 0 16,-2 0-1-16,6-4 1 0,2 2 19 16,4-4 5-16,-10-1-11 0,7 2 14 15,5-2-14-15,-5-2 14 0,8 3-14 0,-9-1-12 16,7 3 0-16,-1-1 12 0,-3-1-13 15,4 1 0-15,-1-1 2 0,-3 1 0 16,6-5 26-16,-8 2-28 16,11-4-15-16,-9-5 14 0,7 2 2 0,-1-5 21 15,0 3-20-15,6-4 16 0,0 0-16 16,-6 0 2-16,3 0 14 0,6-4-18 16,-9-1-2-16,9 3 2 0,-9 0-1 15,6 1-2-15,0 1-25 0,-12 0 7 16,6 0 8-16,1 1-14 0,-1 1 5 15,-6 2-61-15,6-2-68 0,-5-1-59 16,-4-1-49-16,4 1-192 0,-13-1-363 0,7 0-529 0</inkml:trace>
+</inkml:ink>
+</file>
+
 <file path=ppt/notesMasters/notesMaster1.xml><?xml version="1.0" encoding="utf-8"?>
 <p:notesMaster xmlns:a="http://schemas.openxmlformats.org/drawingml/2006/main" xmlns:r="http://schemas.openxmlformats.org/officeDocument/2006/relationships" xmlns:p="http://schemas.openxmlformats.org/presentationml/2006/main">
   <p:cSld>
@@ -3664,7 +3767,7 @@
           <a:p>
             <a:fld id="{FC1E0A1C-7D27-4F74-8BB7-9BA8A530B084}" type="datetimeFigureOut">
               <a:rPr lang="en-US" smtClean="0"/>
-              <a:t>11/27/2023</a:t>
+              <a:t>11/28/2023</a:t>
             </a:fld>
             <a:endParaRPr lang="en-US"/>
           </a:p>
@@ -4006,7 +4109,7 @@
           <a:p>
             <a:fld id="{AE4D3142-5843-4F63-9C47-A46695DDD18C}" type="slidenum">
               <a:rPr lang="en-US" smtClean="0"/>
-              <a:t>16</a:t>
+              <a:t>17</a:t>
             </a:fld>
             <a:endParaRPr lang="en-US"/>
           </a:p>
@@ -4335,7 +4438,7 @@
           <a:p>
             <a:fld id="{96D22572-36A0-4AC9-850D-4E6F691AE47D}" type="datetimeFigureOut">
               <a:rPr lang="en-US" smtClean="0"/>
-              <a:t>11/27/2023</a:t>
+              <a:t>11/28/2023</a:t>
             </a:fld>
             <a:endParaRPr lang="en-US"/>
           </a:p>
@@ -4476,7 +4579,7 @@
           <a:p>
             <a:fld id="{C043B48B-3C67-40AA-9D8B-A8969287AB7C}" type="datetimeFigureOut">
               <a:rPr lang="en-US" smtClean="0"/>
-              <a:t>11/27/2023</a:t>
+              <a:t>11/28/2023</a:t>
             </a:fld>
             <a:endParaRPr lang="en-US"/>
           </a:p>
@@ -4860,7 +4963,7 @@
           <a:p>
             <a:fld id="{C043B48B-3C67-40AA-9D8B-A8969287AB7C}" type="datetimeFigureOut">
               <a:rPr lang="en-US" smtClean="0"/>
-              <a:t>11/27/2023</a:t>
+              <a:t>11/28/2023</a:t>
             </a:fld>
             <a:endParaRPr lang="en-US"/>
           </a:p>
@@ -5155,7 +5258,7 @@
           <a:p>
             <a:fld id="{C043B48B-3C67-40AA-9D8B-A8969287AB7C}" type="datetimeFigureOut">
               <a:rPr lang="en-US" smtClean="0"/>
-              <a:t>11/27/2023</a:t>
+              <a:t>11/28/2023</a:t>
             </a:fld>
             <a:endParaRPr lang="en-US"/>
           </a:p>
@@ -5611,7 +5714,7 @@
           <a:p>
             <a:fld id="{C043B48B-3C67-40AA-9D8B-A8969287AB7C}" type="datetimeFigureOut">
               <a:rPr lang="en-US" smtClean="0"/>
-              <a:t>11/27/2023</a:t>
+              <a:t>11/28/2023</a:t>
             </a:fld>
             <a:endParaRPr lang="en-US"/>
           </a:p>
@@ -5776,7 +5879,7 @@
           <a:p>
             <a:fld id="{C043B48B-3C67-40AA-9D8B-A8969287AB7C}" type="datetimeFigureOut">
               <a:rPr lang="en-US" smtClean="0"/>
-              <a:t>11/27/2023</a:t>
+              <a:t>11/28/2023</a:t>
             </a:fld>
             <a:endParaRPr lang="en-US"/>
           </a:p>
@@ -6053,7 +6156,7 @@
           <a:p>
             <a:fld id="{C043B48B-3C67-40AA-9D8B-A8969287AB7C}" type="datetimeFigureOut">
               <a:rPr lang="en-US" smtClean="0"/>
-              <a:t>11/27/2023</a:t>
+              <a:t>11/28/2023</a:t>
             </a:fld>
             <a:endParaRPr lang="en-US"/>
           </a:p>
@@ -6409,7 +6512,7 @@
           <a:p>
             <a:fld id="{C043B48B-3C67-40AA-9D8B-A8969287AB7C}" type="datetimeFigureOut">
               <a:rPr lang="en-US" smtClean="0"/>
-              <a:t>11/27/2023</a:t>
+              <a:t>11/28/2023</a:t>
             </a:fld>
             <a:endParaRPr lang="en-US"/>
           </a:p>
@@ -6903,7 +7006,7 @@
           <p:nvPr/>
         </p:nvPicPr>
         <p:blipFill>
-          <a:blip r:embed="rId2">
+          <a:blip r:embed="rId3">
             <a:extLst>
               <a:ext uri="{28A0092B-C50C-407E-A947-70E740481C1C}">
                 <a14:useLocalDpi xmlns:a14="http://schemas.microsoft.com/office/drawing/2010/main" val="0"/>
@@ -6925,6 +7028,9 @@
         </p:spPr>
       </p:pic>
     </p:spTree>
+    <p:custDataLst>
+      <p:tags r:id="rId1"/>
+    </p:custDataLst>
     <p:extLst>
       <p:ext uri="{BB962C8B-B14F-4D97-AF65-F5344CB8AC3E}">
         <p14:creationId xmlns:p14="http://schemas.microsoft.com/office/powerpoint/2010/main" val="3580837352"/>
@@ -6938,6 +7044,239 @@
 </file>
 
 <file path=ppt/slides/slide10.xml><?xml version="1.0" encoding="utf-8"?>
+<p:sld xmlns:a="http://schemas.openxmlformats.org/drawingml/2006/main" xmlns:r="http://schemas.openxmlformats.org/officeDocument/2006/relationships" xmlns:p="http://schemas.openxmlformats.org/presentationml/2006/main">
+  <p:cSld>
+    <p:spTree>
+      <p:nvGrpSpPr>
+        <p:cNvPr id="1" name=""/>
+        <p:cNvGrpSpPr/>
+        <p:nvPr/>
+      </p:nvGrpSpPr>
+      <p:grpSpPr>
+        <a:xfrm>
+          <a:off x="0" y="0"/>
+          <a:ext cx="0" cy="0"/>
+          <a:chOff x="0" y="0"/>
+          <a:chExt cx="0" cy="0"/>
+        </a:xfrm>
+      </p:grpSpPr>
+      <p:sp>
+        <p:nvSpPr>
+          <p:cNvPr id="5" name="Content Placeholder 4">
+            <a:extLst>
+              <a:ext uri="{FF2B5EF4-FFF2-40B4-BE49-F238E27FC236}">
+                <a16:creationId xmlns:a16="http://schemas.microsoft.com/office/drawing/2014/main" id="{91424390-4707-D9C5-31FA-3892C6AE1F2E}"/>
+              </a:ext>
+            </a:extLst>
+          </p:cNvPr>
+          <p:cNvSpPr>
+            <a:spLocks noGrp="1"/>
+          </p:cNvSpPr>
+          <p:nvPr>
+            <p:ph idx="1"/>
+          </p:nvPr>
+        </p:nvSpPr>
+        <p:spPr>
+          <a:xfrm>
+            <a:off x="838200" y="2597285"/>
+            <a:ext cx="4846320" cy="3314417"/>
+          </a:xfrm>
+        </p:spPr>
+        <p:txBody>
+          <a:bodyPr/>
+          <a:lstStyle/>
+          <a:p>
+            <a:r>
+              <a:rPr lang="en-US" dirty="0"/>
+              <a:t>Question 1: Is your data accurate?</a:t>
+            </a:r>
+          </a:p>
+        </p:txBody>
+      </p:sp>
+      <p:sp>
+        <p:nvSpPr>
+          <p:cNvPr id="6" name="Content Placeholder 5">
+            <a:extLst>
+              <a:ext uri="{FF2B5EF4-FFF2-40B4-BE49-F238E27FC236}">
+                <a16:creationId xmlns:a16="http://schemas.microsoft.com/office/drawing/2014/main" id="{CB1160D8-02B0-25C9-556E-58CAB7C006B6}"/>
+              </a:ext>
+            </a:extLst>
+          </p:cNvPr>
+          <p:cNvSpPr>
+            <a:spLocks noGrp="1"/>
+          </p:cNvSpPr>
+          <p:nvPr>
+            <p:ph idx="13"/>
+          </p:nvPr>
+        </p:nvSpPr>
+        <p:spPr>
+          <a:xfrm>
+            <a:off x="6507480" y="2597285"/>
+            <a:ext cx="4846320" cy="3314417"/>
+          </a:xfrm>
+        </p:spPr>
+        <p:txBody>
+          <a:bodyPr/>
+          <a:lstStyle/>
+          <a:p>
+            <a:r>
+              <a:rPr lang="en-US" dirty="0"/>
+              <a:t>Question 2: Are there questions that I should be asking but didn’t?</a:t>
+            </a:r>
+          </a:p>
+        </p:txBody>
+      </p:sp>
+      <p:sp>
+        <p:nvSpPr>
+          <p:cNvPr id="4" name="Title 3">
+            <a:extLst>
+              <a:ext uri="{FF2B5EF4-FFF2-40B4-BE49-F238E27FC236}">
+                <a16:creationId xmlns:a16="http://schemas.microsoft.com/office/drawing/2014/main" id="{4E06E745-BD87-F5C1-ADBC-6F011F651140}"/>
+              </a:ext>
+            </a:extLst>
+          </p:cNvPr>
+          <p:cNvSpPr>
+            <a:spLocks noGrp="1"/>
+          </p:cNvSpPr>
+          <p:nvPr>
+            <p:ph type="title"/>
+          </p:nvPr>
+        </p:nvSpPr>
+        <p:spPr/>
+        <p:txBody>
+          <a:bodyPr/>
+          <a:lstStyle/>
+          <a:p>
+            <a:r>
+              <a:rPr lang="en-US" dirty="0"/>
+              <a:t>Action Item: Review Data</a:t>
+            </a:r>
+          </a:p>
+        </p:txBody>
+      </p:sp>
+      <p:sp>
+        <p:nvSpPr>
+          <p:cNvPr id="8" name="TextBox 7">
+            <a:extLst>
+              <a:ext uri="{FF2B5EF4-FFF2-40B4-BE49-F238E27FC236}">
+                <a16:creationId xmlns:a16="http://schemas.microsoft.com/office/drawing/2014/main" id="{7B874E3D-FF5F-2240-D4F1-32F0F151DFD7}"/>
+              </a:ext>
+            </a:extLst>
+          </p:cNvPr>
+          <p:cNvSpPr txBox="1"/>
+          <p:nvPr/>
+        </p:nvSpPr>
+        <p:spPr>
+          <a:xfrm>
+            <a:off x="1948124" y="1690688"/>
+            <a:ext cx="8489653" cy="584775"/>
+          </a:xfrm>
+          <a:prstGeom prst="rect">
+            <a:avLst/>
+          </a:prstGeom>
+          <a:noFill/>
+        </p:spPr>
+        <p:txBody>
+          <a:bodyPr wrap="square">
+            <a:spAutoFit/>
+          </a:bodyPr>
+          <a:lstStyle/>
+          <a:p>
+            <a:r>
+              <a:rPr lang="en-US" sz="3200" b="1" dirty="0"/>
+              <a:t>https://ucdrones-research.github.io/rocketry/</a:t>
+            </a:r>
+          </a:p>
+        </p:txBody>
+      </p:sp>
+      <p:sp>
+        <p:nvSpPr>
+          <p:cNvPr id="9" name="TextBox 8">
+            <a:extLst>
+              <a:ext uri="{FF2B5EF4-FFF2-40B4-BE49-F238E27FC236}">
+                <a16:creationId xmlns:a16="http://schemas.microsoft.com/office/drawing/2014/main" id="{EE22146A-7E4E-2156-2478-D8FF6C6DC071}"/>
+              </a:ext>
+            </a:extLst>
+          </p:cNvPr>
+          <p:cNvSpPr txBox="1"/>
+          <p:nvPr/>
+        </p:nvSpPr>
+        <p:spPr>
+          <a:xfrm>
+            <a:off x="3103123" y="3753464"/>
+            <a:ext cx="5162793" cy="1569660"/>
+          </a:xfrm>
+          <a:prstGeom prst="rect">
+            <a:avLst/>
+          </a:prstGeom>
+          <a:noFill/>
+        </p:spPr>
+        <p:txBody>
+          <a:bodyPr wrap="square" rtlCol="0">
+            <a:spAutoFit/>
+          </a:bodyPr>
+          <a:lstStyle/>
+          <a:p>
+            <a:pPr algn="ctr"/>
+            <a:r>
+              <a:rPr lang="en-US" sz="3200" b="1" dirty="0"/>
+              <a:t>What pieces of information should your campus know about your group?</a:t>
+            </a:r>
+          </a:p>
+        </p:txBody>
+      </p:sp>
+      <p:sp>
+        <p:nvSpPr>
+          <p:cNvPr id="10" name="TextBox 9">
+            <a:extLst>
+              <a:ext uri="{FF2B5EF4-FFF2-40B4-BE49-F238E27FC236}">
+                <a16:creationId xmlns:a16="http://schemas.microsoft.com/office/drawing/2014/main" id="{9C53753E-B7F8-CA1E-934C-1B99FE0AC3E0}"/>
+              </a:ext>
+            </a:extLst>
+          </p:cNvPr>
+          <p:cNvSpPr txBox="1"/>
+          <p:nvPr/>
+        </p:nvSpPr>
+        <p:spPr>
+          <a:xfrm>
+            <a:off x="4574668" y="5484035"/>
+            <a:ext cx="1997663" cy="369332"/>
+          </a:xfrm>
+          <a:prstGeom prst="rect">
+            <a:avLst/>
+          </a:prstGeom>
+          <a:noFill/>
+        </p:spPr>
+        <p:txBody>
+          <a:bodyPr wrap="none" rtlCol="0">
+            <a:spAutoFit/>
+          </a:bodyPr>
+          <a:lstStyle/>
+          <a:p>
+            <a:r>
+              <a:rPr lang="en-US" b="1" dirty="0"/>
+              <a:t>Due: December 19</a:t>
+            </a:r>
+          </a:p>
+        </p:txBody>
+      </p:sp>
+    </p:spTree>
+    <p:custDataLst>
+      <p:tags r:id="rId1"/>
+    </p:custDataLst>
+    <p:extLst>
+      <p:ext uri="{BB962C8B-B14F-4D97-AF65-F5344CB8AC3E}">
+        <p14:creationId xmlns:p14="http://schemas.microsoft.com/office/powerpoint/2010/main" val="1414679680"/>
+      </p:ext>
+    </p:extLst>
+  </p:cSld>
+  <p:clrMapOvr>
+    <a:masterClrMapping/>
+  </p:clrMapOvr>
+</p:sld>
+</file>
+
+<file path=ppt/slides/slide11.xml><?xml version="1.0" encoding="utf-8"?>
 <p:sld xmlns:a="http://schemas.openxmlformats.org/drawingml/2006/main" xmlns:r="http://schemas.openxmlformats.org/officeDocument/2006/relationships" xmlns:p="http://schemas.openxmlformats.org/presentationml/2006/main">
   <p:cSld>
     <p:spTree>
@@ -7116,7 +7455,7 @@
                     <a:p>
                       <a:r>
                         <a:rPr lang="en-US" dirty="0">
-                          <a:hlinkClick r:id="rId2"/>
+                          <a:hlinkClick r:id="rId3"/>
                         </a:rPr>
                         <a:t>info@seb.berkeley.edu</a:t>
                       </a:r>
@@ -7168,7 +7507,7 @@
                     <a:p>
                       <a:r>
                         <a:rPr lang="en-US" dirty="0">
-                          <a:hlinkClick r:id="rId3"/>
+                          <a:hlinkClick r:id="rId4"/>
                         </a:rPr>
                         <a:t>ucberkeleystar@gmail.com</a:t>
                       </a:r>
@@ -7217,7 +7556,7 @@
                     <a:p>
                       <a:r>
                         <a:rPr lang="en-US" dirty="0">
-                          <a:hlinkClick r:id="rId4"/>
+                          <a:hlinkClick r:id="rId5"/>
                         </a:rPr>
                         <a:t>aprl@ucdavis.edu</a:t>
                       </a:r>
@@ -7269,7 +7608,7 @@
                     <a:p>
                       <a:r>
                         <a:rPr lang="en-US" dirty="0">
-                          <a:hlinkClick r:id="rId5"/>
+                          <a:hlinkClick r:id="rId6"/>
                         </a:rPr>
                         <a:t>ucirocketprojectteam@gmail.com</a:t>
                       </a:r>
@@ -7321,7 +7660,7 @@
                     <a:p>
                       <a:r>
                         <a:rPr lang="en-US" dirty="0">
-                          <a:hlinkClick r:id="rId6"/>
+                          <a:hlinkClick r:id="rId7"/>
                         </a:rPr>
                         <a:t>rocketproject@ucla.edu</a:t>
                       </a:r>
@@ -7373,7 +7712,7 @@
                     <a:p>
                       <a:r>
                         <a:rPr lang="en-US" dirty="0">
-                          <a:hlinkClick r:id="rId7"/>
+                          <a:hlinkClick r:id="rId8"/>
                         </a:rPr>
                         <a:t>aiaa@ucmerced.edu</a:t>
                       </a:r>
@@ -7425,7 +7764,7 @@
                     <a:p>
                       <a:r>
                         <a:rPr lang="en-US" dirty="0">
-                          <a:hlinkClick r:id="rId8"/>
+                          <a:hlinkClick r:id="rId9"/>
                         </a:rPr>
                         <a:t>highlanderspaceprogram@gmail.com</a:t>
                       </a:r>
@@ -7517,7 +7856,7 @@
                     <a:p>
                       <a:r>
                         <a:rPr lang="en-US" dirty="0">
-                          <a:hlinkClick r:id="rId9"/>
+                          <a:hlinkClick r:id="rId10"/>
                         </a:rPr>
                         <a:t>Seds.ucsd@gmail.com</a:t>
                       </a:r>
@@ -7569,7 +7908,7 @@
                     <a:p>
                       <a:r>
                         <a:rPr lang="en-US" dirty="0">
-                          <a:hlinkClick r:id="rId10"/>
+                          <a:hlinkClick r:id="rId11"/>
                         </a:rPr>
                         <a:t>rocket@ucsd.edu</a:t>
                       </a:r>
@@ -7592,6 +7931,9 @@
         </a:graphic>
       </p:graphicFrame>
     </p:spTree>
+    <p:custDataLst>
+      <p:tags r:id="rId1"/>
+    </p:custDataLst>
     <p:extLst>
       <p:ext uri="{BB962C8B-B14F-4D97-AF65-F5344CB8AC3E}">
         <p14:creationId xmlns:p14="http://schemas.microsoft.com/office/powerpoint/2010/main" val="3397118613"/>
@@ -7604,7 +7946,7 @@
 </p:sld>
 </file>
 
-<file path=ppt/slides/slide11.xml><?xml version="1.0" encoding="utf-8"?>
+<file path=ppt/slides/slide12.xml><?xml version="1.0" encoding="utf-8"?>
 <p:sld xmlns:a="http://schemas.openxmlformats.org/drawingml/2006/main" xmlns:r="http://schemas.openxmlformats.org/officeDocument/2006/relationships" xmlns:p="http://schemas.openxmlformats.org/presentationml/2006/main">
   <p:cSld>
     <p:spTree>
@@ -7722,6 +8064,9 @@
         </p:txBody>
       </p:sp>
     </p:spTree>
+    <p:custDataLst>
+      <p:tags r:id="rId1"/>
+    </p:custDataLst>
     <p:extLst>
       <p:ext uri="{BB962C8B-B14F-4D97-AF65-F5344CB8AC3E}">
         <p14:creationId xmlns:p14="http://schemas.microsoft.com/office/powerpoint/2010/main" val="3416815536"/>
@@ -7734,7 +8079,7 @@
 </p:sld>
 </file>
 
-<file path=ppt/slides/slide12.xml><?xml version="1.0" encoding="utf-8"?>
+<file path=ppt/slides/slide13.xml><?xml version="1.0" encoding="utf-8"?>
 <p:sld xmlns:a="http://schemas.openxmlformats.org/drawingml/2006/main" xmlns:r="http://schemas.openxmlformats.org/officeDocument/2006/relationships" xmlns:p="http://schemas.openxmlformats.org/presentationml/2006/main">
   <p:cSld>
     <p:spTree>
@@ -7830,6 +8175,9 @@
         </p:txBody>
       </p:sp>
     </p:spTree>
+    <p:custDataLst>
+      <p:tags r:id="rId1"/>
+    </p:custDataLst>
     <p:extLst>
       <p:ext uri="{BB962C8B-B14F-4D97-AF65-F5344CB8AC3E}">
         <p14:creationId xmlns:p14="http://schemas.microsoft.com/office/powerpoint/2010/main" val="3846234230"/>
@@ -7842,7 +8190,7 @@
 </p:sld>
 </file>
 
-<file path=ppt/slides/slide13.xml><?xml version="1.0" encoding="utf-8"?>
+<file path=ppt/slides/slide14.xml><?xml version="1.0" encoding="utf-8"?>
 <p:sld xmlns:a="http://schemas.openxmlformats.org/drawingml/2006/main" xmlns:r="http://schemas.openxmlformats.org/officeDocument/2006/relationships" xmlns:p="http://schemas.openxmlformats.org/presentationml/2006/main">
   <p:cSld>
     <p:spTree>
@@ -8035,6 +8383,9 @@
         </p:txBody>
       </p:sp>
     </p:spTree>
+    <p:custDataLst>
+      <p:tags r:id="rId1"/>
+    </p:custDataLst>
     <p:extLst>
       <p:ext uri="{BB962C8B-B14F-4D97-AF65-F5344CB8AC3E}">
         <p14:creationId xmlns:p14="http://schemas.microsoft.com/office/powerpoint/2010/main" val="3229513410"/>
@@ -8047,7 +8398,7 @@
 </p:sld>
 </file>
 
-<file path=ppt/slides/slide14.xml><?xml version="1.0" encoding="utf-8"?>
+<file path=ppt/slides/slide15.xml><?xml version="1.0" encoding="utf-8"?>
 <p:sld xmlns:a="http://schemas.openxmlformats.org/drawingml/2006/main" xmlns:r="http://schemas.openxmlformats.org/officeDocument/2006/relationships" xmlns:p="http://schemas.openxmlformats.org/presentationml/2006/main">
   <p:cSld>
     <p:spTree>
@@ -8187,7 +8538,7 @@
         <p:spPr>
           <a:xfrm>
             <a:off x="5993861" y="2806429"/>
-            <a:ext cx="5932250" cy="1245142"/>
+            <a:ext cx="5932250" cy="646331"/>
           </a:xfrm>
           <a:prstGeom prst="rect">
             <a:avLst/>
@@ -8205,15 +8556,12 @@
               <a:t>We will fund two (2) members from each organization - including airfare, two hotel nights, and food. </a:t>
             </a:r>
           </a:p>
-          <a:p>
-            <a:r>
-              <a:rPr lang="en-US" dirty="0"/>
-              <a:t>You may send more, but they will be responsible for their own costs</a:t>
-            </a:r>
-          </a:p>
         </p:txBody>
       </p:sp>
     </p:spTree>
+    <p:custDataLst>
+      <p:tags r:id="rId1"/>
+    </p:custDataLst>
     <p:extLst>
       <p:ext uri="{BB962C8B-B14F-4D97-AF65-F5344CB8AC3E}">
         <p14:creationId xmlns:p14="http://schemas.microsoft.com/office/powerpoint/2010/main" val="726194828"/>
@@ -8226,7 +8574,7 @@
 </p:sld>
 </file>
 
-<file path=ppt/slides/slide15.xml><?xml version="1.0" encoding="utf-8"?>
+<file path=ppt/slides/slide16.xml><?xml version="1.0" encoding="utf-8"?>
 <p:sld xmlns:a="http://schemas.openxmlformats.org/drawingml/2006/main" xmlns:r="http://schemas.openxmlformats.org/officeDocument/2006/relationships" xmlns:p="http://schemas.openxmlformats.org/presentationml/2006/main">
   <p:cSld>
     <p:spTree>
@@ -8467,6 +8815,9 @@
         </p:txBody>
       </p:sp>
     </p:spTree>
+    <p:custDataLst>
+      <p:tags r:id="rId1"/>
+    </p:custDataLst>
     <p:extLst>
       <p:ext uri="{BB962C8B-B14F-4D97-AF65-F5344CB8AC3E}">
         <p14:creationId xmlns:p14="http://schemas.microsoft.com/office/powerpoint/2010/main" val="2868703127"/>
@@ -8479,7 +8830,7 @@
 </p:sld>
 </file>
 
-<file path=ppt/slides/slide16.xml><?xml version="1.0" encoding="utf-8"?>
+<file path=ppt/slides/slide17.xml><?xml version="1.0" encoding="utf-8"?>
 <p:sld xmlns:a="http://schemas.openxmlformats.org/drawingml/2006/main" xmlns:r="http://schemas.openxmlformats.org/officeDocument/2006/relationships" xmlns:p="http://schemas.openxmlformats.org/presentationml/2006/main">
   <p:cSld>
     <p:spTree>
@@ -8584,7 +8935,7 @@
           <p:nvPr/>
         </p:nvPicPr>
         <p:blipFill>
-          <a:blip r:embed="rId3">
+          <a:blip r:embed="rId4">
             <a:extLst>
               <a:ext uri="{28A0092B-C50C-407E-A947-70E740481C1C}">
                 <a14:useLocalDpi xmlns:a14="http://schemas.microsoft.com/office/drawing/2010/main" val="0"/>
@@ -8641,6 +8992,9 @@
         </p:txBody>
       </p:sp>
     </p:spTree>
+    <p:custDataLst>
+      <p:tags r:id="rId1"/>
+    </p:custDataLst>
     <p:extLst>
       <p:ext uri="{BB962C8B-B14F-4D97-AF65-F5344CB8AC3E}">
         <p14:creationId xmlns:p14="http://schemas.microsoft.com/office/powerpoint/2010/main" val="727868156"/>
@@ -8804,6 +9158,9 @@
         </p:txBody>
       </p:sp>
     </p:spTree>
+    <p:custDataLst>
+      <p:tags r:id="rId1"/>
+    </p:custDataLst>
     <p:extLst>
       <p:ext uri="{BB962C8B-B14F-4D97-AF65-F5344CB8AC3E}">
         <p14:creationId xmlns:p14="http://schemas.microsoft.com/office/powerpoint/2010/main" val="1833556434"/>
@@ -8817,6 +9174,318 @@
 </file>
 
 <file path=ppt/slides/slide3.xml><?xml version="1.0" encoding="utf-8"?>
+<p:sld xmlns:a="http://schemas.openxmlformats.org/drawingml/2006/main" xmlns:r="http://schemas.openxmlformats.org/officeDocument/2006/relationships" xmlns:p="http://schemas.openxmlformats.org/presentationml/2006/main">
+  <p:cSld>
+    <p:spTree>
+      <p:nvGrpSpPr>
+        <p:cNvPr id="1" name=""/>
+        <p:cNvGrpSpPr/>
+        <p:nvPr/>
+      </p:nvGrpSpPr>
+      <p:grpSpPr>
+        <a:xfrm>
+          <a:off x="0" y="0"/>
+          <a:ext cx="0" cy="0"/>
+          <a:chOff x="0" y="0"/>
+          <a:chExt cx="0" cy="0"/>
+        </a:xfrm>
+      </p:grpSpPr>
+      <p:sp>
+        <p:nvSpPr>
+          <p:cNvPr id="3" name="Content Placeholder 2">
+            <a:extLst>
+              <a:ext uri="{FF2B5EF4-FFF2-40B4-BE49-F238E27FC236}">
+                <a16:creationId xmlns:a16="http://schemas.microsoft.com/office/drawing/2014/main" id="{1FED434D-723B-C628-7747-895ABA12AAB7}"/>
+              </a:ext>
+            </a:extLst>
+          </p:cNvPr>
+          <p:cNvSpPr>
+            <a:spLocks noGrp="1"/>
+          </p:cNvSpPr>
+          <p:nvPr>
+            <p:ph idx="1"/>
+          </p:nvPr>
+        </p:nvSpPr>
+        <p:spPr/>
+        <p:txBody>
+          <a:bodyPr/>
+          <a:lstStyle/>
+          <a:p>
+            <a:r>
+              <a:rPr lang="en-US" dirty="0"/>
+              <a:t>Name, Group, Campus</a:t>
+            </a:r>
+          </a:p>
+        </p:txBody>
+      </p:sp>
+      <p:pic>
+        <p:nvPicPr>
+          <p:cNvPr id="6" name="Content Placeholder 5">
+            <a:extLst>
+              <a:ext uri="{FF2B5EF4-FFF2-40B4-BE49-F238E27FC236}">
+                <a16:creationId xmlns:a16="http://schemas.microsoft.com/office/drawing/2014/main" id="{DAE66D7D-4A35-00B8-1198-198908BEDEB3}"/>
+              </a:ext>
+            </a:extLst>
+          </p:cNvPr>
+          <p:cNvPicPr>
+            <a:picLocks noGrp="1" noChangeAspect="1"/>
+          </p:cNvPicPr>
+          <p:nvPr>
+            <p:ph idx="13"/>
+          </p:nvPr>
+        </p:nvPicPr>
+        <p:blipFill>
+          <a:blip r:embed="rId3"/>
+          <a:stretch>
+            <a:fillRect/>
+          </a:stretch>
+        </p:blipFill>
+        <p:spPr>
+          <a:xfrm>
+            <a:off x="5239005" y="1268657"/>
+            <a:ext cx="6826945" cy="4086077"/>
+          </a:xfrm>
+        </p:spPr>
+      </p:pic>
+      <p:sp>
+        <p:nvSpPr>
+          <p:cNvPr id="2" name="Title 1">
+            <a:extLst>
+              <a:ext uri="{FF2B5EF4-FFF2-40B4-BE49-F238E27FC236}">
+                <a16:creationId xmlns:a16="http://schemas.microsoft.com/office/drawing/2014/main" id="{CCBC9545-A62D-494B-9A89-3C12FFFE687B}"/>
+              </a:ext>
+            </a:extLst>
+          </p:cNvPr>
+          <p:cNvSpPr>
+            <a:spLocks noGrp="1"/>
+          </p:cNvSpPr>
+          <p:nvPr>
+            <p:ph type="title"/>
+          </p:nvPr>
+        </p:nvSpPr>
+        <p:spPr/>
+        <p:txBody>
+          <a:bodyPr/>
+          <a:lstStyle/>
+          <a:p>
+            <a:r>
+              <a:rPr lang="en-US" dirty="0"/>
+              <a:t>Introductions</a:t>
+            </a:r>
+          </a:p>
+        </p:txBody>
+      </p:sp>
+      <p:sp>
+        <p:nvSpPr>
+          <p:cNvPr id="8" name="TextBox 7">
+            <a:extLst>
+              <a:ext uri="{FF2B5EF4-FFF2-40B4-BE49-F238E27FC236}">
+                <a16:creationId xmlns:a16="http://schemas.microsoft.com/office/drawing/2014/main" id="{B882F40F-E20F-9A6B-36D8-F10DED70C44B}"/>
+              </a:ext>
+            </a:extLst>
+          </p:cNvPr>
+          <p:cNvSpPr txBox="1"/>
+          <p:nvPr/>
+        </p:nvSpPr>
+        <p:spPr>
+          <a:xfrm>
+            <a:off x="6507482" y="5542370"/>
+            <a:ext cx="4655099" cy="369332"/>
+          </a:xfrm>
+          <a:prstGeom prst="rect">
+            <a:avLst/>
+          </a:prstGeom>
+          <a:noFill/>
+        </p:spPr>
+        <p:txBody>
+          <a:bodyPr wrap="square">
+            <a:spAutoFit/>
+          </a:bodyPr>
+          <a:lstStyle/>
+          <a:p>
+            <a:r>
+              <a:rPr lang="en-US" dirty="0">
+                <a:hlinkClick r:id="rId4"/>
+              </a:rPr>
+              <a:t>https://youtu.be/64ahKJdSSjM?feature=shared</a:t>
+            </a:r>
+            <a:endParaRPr lang="en-US" dirty="0"/>
+          </a:p>
+        </p:txBody>
+      </p:sp>
+      <mc:AlternateContent xmlns:mc="http://schemas.openxmlformats.org/markup-compatibility/2006">
+        <mc:Choice xmlns:p14="http://schemas.microsoft.com/office/powerpoint/2010/main" Requires="p14">
+          <p:contentPart p14:bwMode="auto" r:id="rId5">
+            <p14:nvContentPartPr>
+              <p14:cNvPr id="4" name="Ink 3">
+                <a:extLst>
+                  <a:ext uri="{FF2B5EF4-FFF2-40B4-BE49-F238E27FC236}">
+                    <a16:creationId xmlns:a16="http://schemas.microsoft.com/office/drawing/2014/main" id="{7A5D8811-C9E7-8321-2BC6-E038088F98AB}"/>
+                  </a:ext>
+                </a:extLst>
+              </p14:cNvPr>
+              <p14:cNvContentPartPr/>
+              <p14:nvPr/>
+            </p14:nvContentPartPr>
+            <p14:xfrm>
+              <a:off x="9638280" y="1923480"/>
+              <a:ext cx="427320" cy="809640"/>
+            </p14:xfrm>
+          </p:contentPart>
+        </mc:Choice>
+        <mc:Fallback>
+          <p:pic>
+            <p:nvPicPr>
+              <p:cNvPr id="4" name="Ink 3">
+                <a:extLst>
+                  <a:ext uri="{FF2B5EF4-FFF2-40B4-BE49-F238E27FC236}">
+                    <a16:creationId xmlns:a16="http://schemas.microsoft.com/office/drawing/2014/main" id="{7A5D8811-C9E7-8321-2BC6-E038088F98AB}"/>
+                  </a:ext>
+                </a:extLst>
+              </p:cNvPr>
+              <p:cNvPicPr/>
+              <p:nvPr/>
+            </p:nvPicPr>
+            <p:blipFill>
+              <a:blip r:embed="rId6"/>
+              <a:stretch>
+                <a:fillRect/>
+              </a:stretch>
+            </p:blipFill>
+            <p:spPr>
+              <a:xfrm>
+                <a:off x="9628920" y="1914120"/>
+                <a:ext cx="446040" cy="828360"/>
+              </a:xfrm>
+              <a:prstGeom prst="rect">
+                <a:avLst/>
+              </a:prstGeom>
+            </p:spPr>
+          </p:pic>
+        </mc:Fallback>
+      </mc:AlternateContent>
+    </p:spTree>
+    <p:custDataLst>
+      <p:tags r:id="rId1"/>
+    </p:custDataLst>
+    <p:extLst>
+      <p:ext uri="{BB962C8B-B14F-4D97-AF65-F5344CB8AC3E}">
+        <p14:creationId xmlns:p14="http://schemas.microsoft.com/office/powerpoint/2010/main" val="3878703274"/>
+      </p:ext>
+    </p:extLst>
+  </p:cSld>
+  <p:clrMapOvr>
+    <a:masterClrMapping/>
+  </p:clrMapOvr>
+  <p:timing>
+    <p:tnLst>
+      <p:par>
+        <p:cTn id="1" dur="indefinite" restart="never" nodeType="tmRoot">
+          <p:childTnLst>
+            <p:seq concurrent="1" nextAc="seek">
+              <p:cTn id="2" dur="indefinite" nodeType="mainSeq">
+                <p:childTnLst>
+                  <p:par>
+                    <p:cTn id="3" fill="hold">
+                      <p:stCondLst>
+                        <p:cond delay="indefinite"/>
+                      </p:stCondLst>
+                      <p:childTnLst>
+                        <p:par>
+                          <p:cTn id="4" fill="hold">
+                            <p:stCondLst>
+                              <p:cond delay="0"/>
+                            </p:stCondLst>
+                            <p:childTnLst>
+                              <p:par>
+                                <p:cTn id="5" presetID="1" presetClass="entr" presetSubtype="0" fill="hold" nodeType="clickEffect">
+                                  <p:stCondLst>
+                                    <p:cond delay="0"/>
+                                  </p:stCondLst>
+                                  <p:childTnLst>
+                                    <p:set>
+                                      <p:cBhvr>
+                                        <p:cTn id="6" dur="1" fill="hold">
+                                          <p:stCondLst>
+                                            <p:cond delay="0"/>
+                                          </p:stCondLst>
+                                        </p:cTn>
+                                        <p:tgtEl>
+                                          <p:spTgt spid="6"/>
+                                        </p:tgtEl>
+                                        <p:attrNameLst>
+                                          <p:attrName>style.visibility</p:attrName>
+                                        </p:attrNameLst>
+                                      </p:cBhvr>
+                                      <p:to>
+                                        <p:strVal val="visible"/>
+                                      </p:to>
+                                    </p:set>
+                                  </p:childTnLst>
+                                </p:cTn>
+                              </p:par>
+                              <p:par>
+                                <p:cTn id="7" presetID="1" presetClass="entr" presetSubtype="0" fill="hold" grpId="0" nodeType="withEffect">
+                                  <p:stCondLst>
+                                    <p:cond delay="0"/>
+                                  </p:stCondLst>
+                                  <p:childTnLst>
+                                    <p:set>
+                                      <p:cBhvr>
+                                        <p:cTn id="8" dur="1" fill="hold">
+                                          <p:stCondLst>
+                                            <p:cond delay="0"/>
+                                          </p:stCondLst>
+                                        </p:cTn>
+                                        <p:tgtEl>
+                                          <p:spTgt spid="8"/>
+                                        </p:tgtEl>
+                                        <p:attrNameLst>
+                                          <p:attrName>style.visibility</p:attrName>
+                                        </p:attrNameLst>
+                                      </p:cBhvr>
+                                      <p:to>
+                                        <p:strVal val="visible"/>
+                                      </p:to>
+                                    </p:set>
+                                  </p:childTnLst>
+                                </p:cTn>
+                              </p:par>
+                            </p:childTnLst>
+                          </p:cTn>
+                        </p:par>
+                      </p:childTnLst>
+                    </p:cTn>
+                  </p:par>
+                </p:childTnLst>
+              </p:cTn>
+              <p:prevCondLst>
+                <p:cond evt="onPrev" delay="0">
+                  <p:tgtEl>
+                    <p:sldTgt/>
+                  </p:tgtEl>
+                </p:cond>
+              </p:prevCondLst>
+              <p:nextCondLst>
+                <p:cond evt="onNext" delay="0">
+                  <p:tgtEl>
+                    <p:sldTgt/>
+                  </p:tgtEl>
+                </p:cond>
+              </p:nextCondLst>
+            </p:seq>
+          </p:childTnLst>
+        </p:cTn>
+      </p:par>
+    </p:tnLst>
+    <p:bldLst>
+      <p:bldP spid="8" grpId="0"/>
+    </p:bldLst>
+  </p:timing>
+</p:sld>
+</file>
+
+<file path=ppt/slides/slide4.xml><?xml version="1.0" encoding="utf-8"?>
 <p:sld xmlns:a="http://schemas.openxmlformats.org/drawingml/2006/main" xmlns:r="http://schemas.openxmlformats.org/officeDocument/2006/relationships" xmlns:p="http://schemas.openxmlformats.org/presentationml/2006/main">
   <p:cSld>
     <p:spTree>
@@ -8971,6 +9640,9 @@
         </p:txBody>
       </p:sp>
     </p:spTree>
+    <p:custDataLst>
+      <p:tags r:id="rId1"/>
+    </p:custDataLst>
     <p:extLst>
       <p:ext uri="{BB962C8B-B14F-4D97-AF65-F5344CB8AC3E}">
         <p14:creationId xmlns:p14="http://schemas.microsoft.com/office/powerpoint/2010/main" val="3988283691"/>
@@ -8983,7 +9655,7 @@
 </p:sld>
 </file>
 
-<file path=ppt/slides/slide4.xml><?xml version="1.0" encoding="utf-8"?>
+<file path=ppt/slides/slide5.xml><?xml version="1.0" encoding="utf-8"?>
 <p:sld xmlns:a="http://schemas.openxmlformats.org/drawingml/2006/main" xmlns:r="http://schemas.openxmlformats.org/officeDocument/2006/relationships" xmlns:p="http://schemas.openxmlformats.org/presentationml/2006/main">
   <p:cSld>
     <p:spTree>
@@ -9084,6 +9756,9 @@
         </p:txBody>
       </p:sp>
     </p:spTree>
+    <p:custDataLst>
+      <p:tags r:id="rId1"/>
+    </p:custDataLst>
     <p:extLst>
       <p:ext uri="{BB962C8B-B14F-4D97-AF65-F5344CB8AC3E}">
         <p14:creationId xmlns:p14="http://schemas.microsoft.com/office/powerpoint/2010/main" val="475142050"/>
@@ -9096,7 +9771,7 @@
 </p:sld>
 </file>
 
-<file path=ppt/slides/slide5.xml><?xml version="1.0" encoding="utf-8"?>
+<file path=ppt/slides/slide6.xml><?xml version="1.0" encoding="utf-8"?>
 <p:sld xmlns:a="http://schemas.openxmlformats.org/drawingml/2006/main" xmlns:r="http://schemas.openxmlformats.org/officeDocument/2006/relationships" xmlns:p="http://schemas.openxmlformats.org/presentationml/2006/main">
   <p:cSld>
     <p:spTree>
@@ -9172,6 +9847,57 @@
           </a:graphicData>
         </a:graphic>
       </p:graphicFrame>
+      <mc:AlternateContent xmlns:mc="http://schemas.openxmlformats.org/markup-compatibility/2006">
+        <mc:Choice xmlns:p14="http://schemas.microsoft.com/office/powerpoint/2010/main" Requires="p14">
+          <p:contentPart p14:bwMode="auto" r:id="rId8">
+            <p14:nvContentPartPr>
+              <p14:cNvPr id="3" name="Ink 2">
+                <a:extLst>
+                  <a:ext uri="{FF2B5EF4-FFF2-40B4-BE49-F238E27FC236}">
+                    <a16:creationId xmlns:a16="http://schemas.microsoft.com/office/drawing/2014/main" id="{9E813213-95C2-6000-E624-996C7181696D}"/>
+                  </a:ext>
+                </a:extLst>
+              </p14:cNvPr>
+              <p14:cNvContentPartPr/>
+              <p14:nvPr/>
+            </p14:nvContentPartPr>
+            <p14:xfrm>
+              <a:off x="3655440" y="1746000"/>
+              <a:ext cx="632880" cy="449280"/>
+            </p14:xfrm>
+          </p:contentPart>
+        </mc:Choice>
+        <mc:Fallback>
+          <p:pic>
+            <p:nvPicPr>
+              <p:cNvPr id="3" name="Ink 2">
+                <a:extLst>
+                  <a:ext uri="{FF2B5EF4-FFF2-40B4-BE49-F238E27FC236}">
+                    <a16:creationId xmlns:a16="http://schemas.microsoft.com/office/drawing/2014/main" id="{9E813213-95C2-6000-E624-996C7181696D}"/>
+                  </a:ext>
+                </a:extLst>
+              </p:cNvPr>
+              <p:cNvPicPr/>
+              <p:nvPr/>
+            </p:nvPicPr>
+            <p:blipFill>
+              <a:blip r:embed="rId9"/>
+              <a:stretch>
+                <a:fillRect/>
+              </a:stretch>
+            </p:blipFill>
+            <p:spPr>
+              <a:xfrm>
+                <a:off x="3646080" y="1736640"/>
+                <a:ext cx="651600" cy="468000"/>
+              </a:xfrm>
+              <a:prstGeom prst="rect">
+                <a:avLst/>
+              </a:prstGeom>
+            </p:spPr>
+          </p:pic>
+        </mc:Fallback>
+      </mc:AlternateContent>
     </p:spTree>
     <p:custDataLst>
       <p:tags r:id="rId1"/>
@@ -9188,7 +9914,7 @@
 </p:sld>
 </file>
 
-<file path=ppt/slides/slide6.xml><?xml version="1.0" encoding="utf-8"?>
+<file path=ppt/slides/slide7.xml><?xml version="1.0" encoding="utf-8"?>
 <p:sld xmlns:a="http://schemas.openxmlformats.org/drawingml/2006/main" xmlns:r="http://schemas.openxmlformats.org/officeDocument/2006/relationships" xmlns:p="http://schemas.openxmlformats.org/presentationml/2006/main">
   <p:cSld>
     <p:spTree>
@@ -9255,7 +9981,7 @@
           </p:nvPr>
         </p:nvPicPr>
         <p:blipFill>
-          <a:blip r:embed="rId2">
+          <a:blip r:embed="rId3">
             <a:extLst>
               <a:ext uri="{28A0092B-C50C-407E-A947-70E740481C1C}">
                 <a14:useLocalDpi xmlns:a14="http://schemas.microsoft.com/office/drawing/2010/main" val="0"/>
@@ -9304,7 +10030,7 @@
           </p:nvPr>
         </p:nvPicPr>
         <p:blipFill>
-          <a:blip r:embed="rId3">
+          <a:blip r:embed="rId4">
             <a:extLst>
               <a:ext uri="{28A0092B-C50C-407E-A947-70E740481C1C}">
                 <a14:useLocalDpi xmlns:a14="http://schemas.microsoft.com/office/drawing/2010/main" val="0"/>
@@ -9336,7 +10062,61 @@
           </a:extLst>
         </p:spPr>
       </p:pic>
+      <mc:AlternateContent xmlns:mc="http://schemas.openxmlformats.org/markup-compatibility/2006">
+        <mc:Choice xmlns:p14="http://schemas.microsoft.com/office/powerpoint/2010/main" Requires="p14">
+          <p:contentPart p14:bwMode="auto" r:id="rId5">
+            <p14:nvContentPartPr>
+              <p14:cNvPr id="2" name="Ink 1">
+                <a:extLst>
+                  <a:ext uri="{FF2B5EF4-FFF2-40B4-BE49-F238E27FC236}">
+                    <a16:creationId xmlns:a16="http://schemas.microsoft.com/office/drawing/2014/main" id="{9772118F-99AD-D4D8-201A-25D49E960FA5}"/>
+                  </a:ext>
+                </a:extLst>
+              </p14:cNvPr>
+              <p14:cNvContentPartPr/>
+              <p14:nvPr/>
+            </p14:nvContentPartPr>
+            <p14:xfrm>
+              <a:off x="4326480" y="313920"/>
+              <a:ext cx="3063240" cy="5099040"/>
+            </p14:xfrm>
+          </p:contentPart>
+        </mc:Choice>
+        <mc:Fallback>
+          <p:pic>
+            <p:nvPicPr>
+              <p:cNvPr id="2" name="Ink 1">
+                <a:extLst>
+                  <a:ext uri="{FF2B5EF4-FFF2-40B4-BE49-F238E27FC236}">
+                    <a16:creationId xmlns:a16="http://schemas.microsoft.com/office/drawing/2014/main" id="{9772118F-99AD-D4D8-201A-25D49E960FA5}"/>
+                  </a:ext>
+                </a:extLst>
+              </p:cNvPr>
+              <p:cNvPicPr/>
+              <p:nvPr/>
+            </p:nvPicPr>
+            <p:blipFill>
+              <a:blip r:embed="rId6"/>
+              <a:stretch>
+                <a:fillRect/>
+              </a:stretch>
+            </p:blipFill>
+            <p:spPr>
+              <a:xfrm>
+                <a:off x="4317120" y="304560"/>
+                <a:ext cx="3081960" cy="5117760"/>
+              </a:xfrm>
+              <a:prstGeom prst="rect">
+                <a:avLst/>
+              </a:prstGeom>
+            </p:spPr>
+          </p:pic>
+        </mc:Fallback>
+      </mc:AlternateContent>
     </p:spTree>
+    <p:custDataLst>
+      <p:tags r:id="rId1"/>
+    </p:custDataLst>
     <p:extLst>
       <p:ext uri="{BB962C8B-B14F-4D97-AF65-F5344CB8AC3E}">
         <p14:creationId xmlns:p14="http://schemas.microsoft.com/office/powerpoint/2010/main" val="2804625100"/>
@@ -9349,7 +10129,7 @@
 </p:sld>
 </file>
 
-<file path=ppt/slides/slide7.xml><?xml version="1.0" encoding="utf-8"?>
+<file path=ppt/slides/slide8.xml><?xml version="1.0" encoding="utf-8"?>
 <p:sld xmlns:a="http://schemas.openxmlformats.org/drawingml/2006/main" xmlns:r="http://schemas.openxmlformats.org/officeDocument/2006/relationships" xmlns:p="http://schemas.openxmlformats.org/presentationml/2006/main">
   <p:cSld>
     <p:spTree>
@@ -9463,6 +10243,9 @@
         </p:txBody>
       </p:sp>
     </p:spTree>
+    <p:custDataLst>
+      <p:tags r:id="rId1"/>
+    </p:custDataLst>
     <p:extLst>
       <p:ext uri="{BB962C8B-B14F-4D97-AF65-F5344CB8AC3E}">
         <p14:creationId xmlns:p14="http://schemas.microsoft.com/office/powerpoint/2010/main" val="3164446783"/>
@@ -9475,7 +10258,7 @@
 </p:sld>
 </file>
 
-<file path=ppt/slides/slide8.xml><?xml version="1.0" encoding="utf-8"?>
+<file path=ppt/slides/slide9.xml><?xml version="1.0" encoding="utf-8"?>
 <p:sld xmlns:a="http://schemas.openxmlformats.org/drawingml/2006/main" xmlns:r="http://schemas.openxmlformats.org/officeDocument/2006/relationships" xmlns:p="http://schemas.openxmlformats.org/presentationml/2006/main">
   <p:cSld>
     <p:spTree>
@@ -9543,285 +10326,658 @@
           </a:bodyPr>
           <a:lstStyle/>
           <a:p>
+            <a:pPr>
+              <a:lnSpc>
+                <a:spcPct val="120000"/>
+              </a:lnSpc>
+              <a:spcBef>
+                <a:spcPts val="600"/>
+              </a:spcBef>
+            </a:pPr>
             <a:r>
               <a:rPr lang="en-US" dirty="0"/>
               <a:t>Group Name</a:t>
             </a:r>
           </a:p>
           <a:p>
+            <a:pPr>
+              <a:lnSpc>
+                <a:spcPct val="120000"/>
+              </a:lnSpc>
+              <a:spcBef>
+                <a:spcPts val="600"/>
+              </a:spcBef>
+            </a:pPr>
             <a:r>
               <a:rPr lang="en-US" dirty="0"/>
               <a:t>Website</a:t>
             </a:r>
           </a:p>
           <a:p>
+            <a:pPr>
+              <a:lnSpc>
+                <a:spcPct val="120000"/>
+              </a:lnSpc>
+              <a:spcBef>
+                <a:spcPts val="600"/>
+              </a:spcBef>
+            </a:pPr>
             <a:r>
               <a:rPr lang="en-US" dirty="0"/>
               <a:t>Email</a:t>
             </a:r>
           </a:p>
           <a:p>
+            <a:pPr>
+              <a:lnSpc>
+                <a:spcPct val="120000"/>
+              </a:lnSpc>
+              <a:spcBef>
+                <a:spcPts val="600"/>
+              </a:spcBef>
+            </a:pPr>
             <a:r>
               <a:rPr lang="en-US" dirty="0"/>
               <a:t>President</a:t>
             </a:r>
           </a:p>
           <a:p>
+            <a:pPr>
+              <a:lnSpc>
+                <a:spcPct val="120000"/>
+              </a:lnSpc>
+              <a:spcBef>
+                <a:spcPts val="600"/>
+              </a:spcBef>
+            </a:pPr>
             <a:r>
               <a:rPr lang="en-US" dirty="0"/>
               <a:t>RSO/DSO/Dept</a:t>
             </a:r>
           </a:p>
           <a:p>
+            <a:pPr>
+              <a:lnSpc>
+                <a:spcPct val="120000"/>
+              </a:lnSpc>
+              <a:spcBef>
+                <a:spcPts val="600"/>
+              </a:spcBef>
+            </a:pPr>
             <a:r>
               <a:rPr lang="en-US" dirty="0"/>
               <a:t>Members</a:t>
             </a:r>
           </a:p>
           <a:p>
+            <a:pPr>
+              <a:lnSpc>
+                <a:spcPct val="120000"/>
+              </a:lnSpc>
+              <a:spcBef>
+                <a:spcPts val="600"/>
+              </a:spcBef>
+            </a:pPr>
             <a:r>
               <a:rPr lang="en-US" dirty="0"/>
               <a:t>Group Goal</a:t>
             </a:r>
           </a:p>
           <a:p>
+            <a:pPr>
+              <a:lnSpc>
+                <a:spcPct val="120000"/>
+              </a:lnSpc>
+              <a:spcBef>
+                <a:spcPts val="600"/>
+              </a:spcBef>
+            </a:pPr>
             <a:r>
               <a:rPr lang="en-US" dirty="0"/>
               <a:t>Projects</a:t>
             </a:r>
           </a:p>
           <a:p>
+            <a:pPr>
+              <a:lnSpc>
+                <a:spcPct val="120000"/>
+              </a:lnSpc>
+              <a:spcBef>
+                <a:spcPts val="600"/>
+              </a:spcBef>
+            </a:pPr>
             <a:r>
               <a:rPr lang="en-US" dirty="0"/>
               <a:t>Sole Occupant workspace on Campus</a:t>
             </a:r>
           </a:p>
           <a:p>
+            <a:pPr>
+              <a:lnSpc>
+                <a:spcPct val="120000"/>
+              </a:lnSpc>
+              <a:spcBef>
+                <a:spcPts val="600"/>
+              </a:spcBef>
+            </a:pPr>
             <a:r>
               <a:rPr lang="en-US" dirty="0"/>
               <a:t>Shared Assigned workspace on Campus</a:t>
             </a:r>
           </a:p>
           <a:p>
+            <a:pPr>
+              <a:lnSpc>
+                <a:spcPct val="120000"/>
+              </a:lnSpc>
+              <a:spcBef>
+                <a:spcPts val="600"/>
+              </a:spcBef>
+            </a:pPr>
             <a:r>
               <a:rPr lang="en-US" dirty="0"/>
               <a:t>Utilize Existing Campus Facilities</a:t>
             </a:r>
           </a:p>
           <a:p>
+            <a:pPr>
+              <a:lnSpc>
+                <a:spcPct val="120000"/>
+              </a:lnSpc>
+              <a:spcBef>
+                <a:spcPts val="600"/>
+              </a:spcBef>
+            </a:pPr>
             <a:r>
               <a:rPr lang="en-US" dirty="0"/>
               <a:t>Sole Occupant Workspaces at other UC property</a:t>
             </a:r>
           </a:p>
           <a:p>
+            <a:pPr>
+              <a:lnSpc>
+                <a:spcPct val="120000"/>
+              </a:lnSpc>
+              <a:spcBef>
+                <a:spcPts val="600"/>
+              </a:spcBef>
+            </a:pPr>
             <a:r>
               <a:rPr lang="en-US" dirty="0"/>
               <a:t>Shared Assigned Workspaces on UC Property</a:t>
             </a:r>
           </a:p>
           <a:p>
+            <a:pPr>
+              <a:lnSpc>
+                <a:spcPct val="120000"/>
+              </a:lnSpc>
+              <a:spcBef>
+                <a:spcPts val="600"/>
+              </a:spcBef>
+            </a:pPr>
             <a:r>
               <a:rPr lang="en-US" dirty="0"/>
               <a:t>Any Workspaces on 3rd Party</a:t>
             </a:r>
           </a:p>
           <a:p>
+            <a:pPr>
+              <a:lnSpc>
+                <a:spcPct val="120000"/>
+              </a:lnSpc>
+              <a:spcBef>
+                <a:spcPts val="600"/>
+              </a:spcBef>
+            </a:pPr>
             <a:r>
               <a:rPr lang="en-US" dirty="0"/>
               <a:t>Group Vehicles</a:t>
             </a:r>
           </a:p>
           <a:p>
+            <a:pPr>
+              <a:lnSpc>
+                <a:spcPct val="120000"/>
+              </a:lnSpc>
+              <a:spcBef>
+                <a:spcPts val="600"/>
+              </a:spcBef>
+            </a:pPr>
             <a:r>
               <a:rPr lang="en-US" dirty="0"/>
               <a:t>Assembly (Hand tools) in Assigned Workspaces </a:t>
             </a:r>
           </a:p>
           <a:p>
+            <a:pPr>
+              <a:lnSpc>
+                <a:spcPct val="120000"/>
+              </a:lnSpc>
+              <a:spcBef>
+                <a:spcPts val="600"/>
+              </a:spcBef>
+            </a:pPr>
             <a:r>
               <a:rPr lang="en-US" dirty="0"/>
               <a:t>Machine Work (cutting, drilling, grinding, sanding, welding) in Assigned Workspaces</a:t>
             </a:r>
           </a:p>
           <a:p>
+            <a:pPr>
+              <a:lnSpc>
+                <a:spcPct val="120000"/>
+              </a:lnSpc>
+              <a:spcBef>
+                <a:spcPts val="600"/>
+              </a:spcBef>
+            </a:pPr>
             <a:r>
               <a:rPr lang="en-US" dirty="0"/>
               <a:t>Fiberglass/resin Layout in Assigned Workspaces</a:t>
             </a:r>
           </a:p>
           <a:p>
+            <a:pPr>
+              <a:lnSpc>
+                <a:spcPct val="120000"/>
+              </a:lnSpc>
+              <a:spcBef>
+                <a:spcPts val="600"/>
+              </a:spcBef>
+            </a:pPr>
             <a:r>
               <a:rPr lang="en-US" dirty="0"/>
               <a:t>Cold flow testing on Campus</a:t>
             </a:r>
           </a:p>
           <a:p>
+            <a:pPr>
+              <a:lnSpc>
+                <a:spcPct val="120000"/>
+              </a:lnSpc>
+              <a:spcBef>
+                <a:spcPts val="600"/>
+              </a:spcBef>
+            </a:pPr>
             <a:r>
               <a:rPr lang="en-US" dirty="0"/>
               <a:t>Soldering in Assigned Workspaces</a:t>
             </a:r>
           </a:p>
           <a:p>
+            <a:pPr>
+              <a:lnSpc>
+                <a:spcPct val="120000"/>
+              </a:lnSpc>
+              <a:spcBef>
+                <a:spcPts val="600"/>
+              </a:spcBef>
+            </a:pPr>
             <a:r>
               <a:rPr lang="en-US" dirty="0"/>
               <a:t>3D Printing in Assigned Workspaces</a:t>
             </a:r>
           </a:p>
           <a:p>
+            <a:pPr>
+              <a:lnSpc>
+                <a:spcPct val="120000"/>
+              </a:lnSpc>
+              <a:spcBef>
+                <a:spcPts val="600"/>
+              </a:spcBef>
+            </a:pPr>
             <a:r>
               <a:rPr lang="en-US" dirty="0"/>
               <a:t>Hazardous Material Storage in Assigned Workspaces</a:t>
             </a:r>
           </a:p>
           <a:p>
+            <a:pPr>
+              <a:lnSpc>
+                <a:spcPct val="120000"/>
+              </a:lnSpc>
+              <a:spcBef>
+                <a:spcPts val="600"/>
+              </a:spcBef>
+            </a:pPr>
             <a:r>
               <a:rPr lang="en-US" dirty="0"/>
               <a:t>Black Powder (on campus storage)</a:t>
             </a:r>
           </a:p>
           <a:p>
+            <a:pPr>
+              <a:lnSpc>
+                <a:spcPct val="120000"/>
+              </a:lnSpc>
+              <a:spcBef>
+                <a:spcPts val="600"/>
+              </a:spcBef>
+            </a:pPr>
             <a:r>
               <a:rPr lang="en-US" dirty="0"/>
               <a:t>Solid Motors/Fuel Grains (on campus storage)</a:t>
             </a:r>
           </a:p>
           <a:p>
+            <a:pPr>
+              <a:lnSpc>
+                <a:spcPct val="120000"/>
+              </a:lnSpc>
+              <a:spcBef>
+                <a:spcPts val="600"/>
+              </a:spcBef>
+            </a:pPr>
             <a:r>
               <a:rPr lang="en-US" dirty="0"/>
               <a:t>New Member Safety Onboarding</a:t>
             </a:r>
           </a:p>
           <a:p>
+            <a:pPr>
+              <a:lnSpc>
+                <a:spcPct val="120000"/>
+              </a:lnSpc>
+              <a:spcBef>
+                <a:spcPts val="600"/>
+              </a:spcBef>
+            </a:pPr>
             <a:r>
               <a:rPr lang="en-US" dirty="0"/>
               <a:t>Quarter/Year-long Formal one-on-one Mentorship System</a:t>
             </a:r>
           </a:p>
           <a:p>
+            <a:pPr>
+              <a:lnSpc>
+                <a:spcPct val="120000"/>
+              </a:lnSpc>
+              <a:spcBef>
+                <a:spcPts val="600"/>
+              </a:spcBef>
+            </a:pPr>
             <a:r>
               <a:rPr lang="en-US" dirty="0"/>
               <a:t>UCLC/EHS Safety Training</a:t>
             </a:r>
           </a:p>
           <a:p>
+            <a:pPr>
+              <a:lnSpc>
+                <a:spcPct val="120000"/>
+              </a:lnSpc>
+              <a:spcBef>
+                <a:spcPts val="600"/>
+              </a:spcBef>
+            </a:pPr>
             <a:r>
               <a:rPr lang="en-US" dirty="0"/>
               <a:t>3rd Party Training</a:t>
             </a:r>
           </a:p>
           <a:p>
+            <a:pPr>
+              <a:lnSpc>
+                <a:spcPct val="120000"/>
+              </a:lnSpc>
+              <a:spcBef>
+                <a:spcPts val="600"/>
+              </a:spcBef>
+            </a:pPr>
             <a:r>
               <a:rPr lang="en-US" dirty="0"/>
               <a:t>Waiver and Release of Liability</a:t>
             </a:r>
           </a:p>
           <a:p>
+            <a:pPr>
+              <a:lnSpc>
+                <a:spcPct val="120000"/>
+              </a:lnSpc>
+              <a:spcBef>
+                <a:spcPts val="600"/>
+              </a:spcBef>
+            </a:pPr>
             <a:r>
               <a:rPr lang="en-US" dirty="0"/>
               <a:t># of Active Rockets to Launch this year</a:t>
             </a:r>
           </a:p>
           <a:p>
+            <a:pPr>
+              <a:lnSpc>
+                <a:spcPct val="120000"/>
+              </a:lnSpc>
+              <a:spcBef>
+                <a:spcPts val="600"/>
+              </a:spcBef>
+            </a:pPr>
             <a:r>
               <a:rPr lang="en-US" dirty="0"/>
               <a:t># Solid Propellant (single stage)</a:t>
             </a:r>
           </a:p>
           <a:p>
+            <a:pPr>
+              <a:lnSpc>
+                <a:spcPct val="120000"/>
+              </a:lnSpc>
+              <a:spcBef>
+                <a:spcPts val="600"/>
+              </a:spcBef>
+            </a:pPr>
             <a:r>
               <a:rPr lang="en-US" dirty="0"/>
               <a:t># Solid Propellant (multi-stage)</a:t>
             </a:r>
           </a:p>
           <a:p>
+            <a:pPr>
+              <a:lnSpc>
+                <a:spcPct val="120000"/>
+              </a:lnSpc>
+              <a:spcBef>
+                <a:spcPts val="600"/>
+              </a:spcBef>
+            </a:pPr>
             <a:r>
               <a:rPr lang="en-US" dirty="0"/>
               <a:t># Bipropellant</a:t>
             </a:r>
           </a:p>
           <a:p>
+            <a:pPr>
+              <a:lnSpc>
+                <a:spcPct val="120000"/>
+              </a:lnSpc>
+              <a:spcBef>
+                <a:spcPts val="600"/>
+              </a:spcBef>
+            </a:pPr>
             <a:r>
               <a:rPr lang="en-US" dirty="0"/>
               <a:t># Hybrid Propellant</a:t>
             </a:r>
           </a:p>
           <a:p>
-            <a:endParaRPr lang="en-US" dirty="0"/>
-          </a:p>
-          <a:p>
+            <a:pPr>
+              <a:lnSpc>
+                <a:spcPct val="120000"/>
+              </a:lnSpc>
+              <a:spcBef>
+                <a:spcPts val="600"/>
+              </a:spcBef>
+            </a:pPr>
             <a:r>
               <a:rPr lang="en-US" dirty="0"/>
               <a:t># of Active Engines in Dev (static) this year</a:t>
             </a:r>
           </a:p>
           <a:p>
+            <a:pPr>
+              <a:lnSpc>
+                <a:spcPct val="120000"/>
+              </a:lnSpc>
+              <a:spcBef>
+                <a:spcPts val="600"/>
+              </a:spcBef>
+            </a:pPr>
             <a:r>
               <a:rPr lang="en-US" dirty="0"/>
               <a:t>Bipropellant</a:t>
             </a:r>
           </a:p>
           <a:p>
+            <a:pPr>
+              <a:lnSpc>
+                <a:spcPct val="120000"/>
+              </a:lnSpc>
+              <a:spcBef>
+                <a:spcPts val="600"/>
+              </a:spcBef>
+            </a:pPr>
             <a:r>
               <a:rPr lang="en-US" dirty="0"/>
               <a:t>Hybrid Propellant</a:t>
             </a:r>
           </a:p>
           <a:p>
+            <a:pPr>
+              <a:lnSpc>
+                <a:spcPct val="120000"/>
+              </a:lnSpc>
+              <a:spcBef>
+                <a:spcPts val="600"/>
+              </a:spcBef>
+            </a:pPr>
             <a:r>
               <a:rPr lang="en-US" dirty="0"/>
               <a:t>Type of Solid Fuels</a:t>
             </a:r>
           </a:p>
           <a:p>
+            <a:pPr>
+              <a:lnSpc>
+                <a:spcPct val="120000"/>
+              </a:lnSpc>
+              <a:spcBef>
+                <a:spcPts val="600"/>
+              </a:spcBef>
+            </a:pPr>
             <a:r>
               <a:rPr lang="en-US" dirty="0"/>
               <a:t>Type of Liquid Fuel</a:t>
             </a:r>
           </a:p>
           <a:p>
+            <a:pPr>
+              <a:lnSpc>
+                <a:spcPct val="120000"/>
+              </a:lnSpc>
+              <a:spcBef>
+                <a:spcPts val="600"/>
+              </a:spcBef>
+            </a:pPr>
             <a:r>
               <a:rPr lang="en-US" dirty="0"/>
               <a:t>Type of Oxidizer</a:t>
             </a:r>
           </a:p>
           <a:p>
+            <a:pPr>
+              <a:lnSpc>
+                <a:spcPct val="120000"/>
+              </a:lnSpc>
+              <a:spcBef>
+                <a:spcPts val="600"/>
+              </a:spcBef>
+            </a:pPr>
             <a:r>
               <a:rPr lang="en-US" dirty="0"/>
               <a:t>Other Types of Liquid/Gas</a:t>
             </a:r>
           </a:p>
           <a:p>
+            <a:pPr>
+              <a:lnSpc>
+                <a:spcPct val="120000"/>
+              </a:lnSpc>
+              <a:spcBef>
+                <a:spcPts val="600"/>
+              </a:spcBef>
+            </a:pPr>
             <a:r>
               <a:rPr lang="en-US" dirty="0"/>
               <a:t>Fuel Storage On Campus</a:t>
             </a:r>
           </a:p>
           <a:p>
+            <a:pPr>
+              <a:lnSpc>
+                <a:spcPct val="120000"/>
+              </a:lnSpc>
+              <a:spcBef>
+                <a:spcPts val="600"/>
+              </a:spcBef>
+            </a:pPr>
             <a:r>
               <a:rPr lang="en-US" dirty="0"/>
               <a:t>Fuel Transportation</a:t>
             </a:r>
           </a:p>
           <a:p>
+            <a:pPr>
+              <a:lnSpc>
+                <a:spcPct val="120000"/>
+              </a:lnSpc>
+              <a:spcBef>
+                <a:spcPts val="600"/>
+              </a:spcBef>
+            </a:pPr>
             <a:r>
               <a:rPr lang="en-US" dirty="0"/>
               <a:t>Fuel at Launch</a:t>
             </a:r>
           </a:p>
           <a:p>
+            <a:pPr>
+              <a:lnSpc>
+                <a:spcPct val="120000"/>
+              </a:lnSpc>
+              <a:spcBef>
+                <a:spcPts val="600"/>
+              </a:spcBef>
+            </a:pPr>
             <a:r>
               <a:rPr lang="en-US" dirty="0"/>
               <a:t>Launch Sites</a:t>
             </a:r>
           </a:p>
           <a:p>
+            <a:pPr>
+              <a:lnSpc>
+                <a:spcPct val="120000"/>
+              </a:lnSpc>
+              <a:spcBef>
+                <a:spcPts val="600"/>
+              </a:spcBef>
+            </a:pPr>
             <a:r>
               <a:rPr lang="en-US" dirty="0"/>
               <a:t>Transportation – car/van/rental</a:t>
             </a:r>
           </a:p>
           <a:p>
+            <a:pPr>
+              <a:lnSpc>
+                <a:spcPct val="120000"/>
+              </a:lnSpc>
+              <a:spcBef>
+                <a:spcPts val="600"/>
+              </a:spcBef>
+            </a:pPr>
             <a:r>
               <a:rPr lang="en-US" dirty="0"/>
               <a:t>Estimated # of Launches/</a:t>
@@ -9833,6 +10989,14 @@
             <a:endParaRPr lang="en-US" dirty="0"/>
           </a:p>
           <a:p>
+            <a:pPr>
+              <a:lnSpc>
+                <a:spcPct val="120000"/>
+              </a:lnSpc>
+              <a:spcBef>
+                <a:spcPts val="600"/>
+              </a:spcBef>
+            </a:pPr>
             <a:r>
               <a:rPr lang="en-US" dirty="0"/>
               <a:t>Estimated # of Static Fires/</a:t>
@@ -9844,6 +11008,14 @@
             <a:endParaRPr lang="en-US" dirty="0"/>
           </a:p>
           <a:p>
+            <a:pPr>
+              <a:lnSpc>
+                <a:spcPct val="120000"/>
+              </a:lnSpc>
+              <a:spcBef>
+                <a:spcPts val="600"/>
+              </a:spcBef>
+            </a:pPr>
             <a:r>
               <a:rPr lang="en-US" dirty="0"/>
               <a:t>Travel to National/International Competition</a:t>
@@ -9852,6 +11024,9 @@
         </p:txBody>
       </p:sp>
     </p:spTree>
+    <p:custDataLst>
+      <p:tags r:id="rId1"/>
+    </p:custDataLst>
     <p:extLst>
       <p:ext uri="{BB962C8B-B14F-4D97-AF65-F5344CB8AC3E}">
         <p14:creationId xmlns:p14="http://schemas.microsoft.com/office/powerpoint/2010/main" val="1670352996"/>
@@ -9864,243 +11039,92 @@
 </p:sld>
 </file>
 
-<file path=ppt/slides/slide9.xml><?xml version="1.0" encoding="utf-8"?>
-<p:sld xmlns:a="http://schemas.openxmlformats.org/drawingml/2006/main" xmlns:r="http://schemas.openxmlformats.org/officeDocument/2006/relationships" xmlns:p="http://schemas.openxmlformats.org/presentationml/2006/main">
-  <p:cSld>
-    <p:spTree>
-      <p:nvGrpSpPr>
-        <p:cNvPr id="1" name=""/>
-        <p:cNvGrpSpPr/>
-        <p:nvPr/>
-      </p:nvGrpSpPr>
-      <p:grpSpPr>
-        <a:xfrm>
-          <a:off x="0" y="0"/>
-          <a:ext cx="0" cy="0"/>
-          <a:chOff x="0" y="0"/>
-          <a:chExt cx="0" cy="0"/>
-        </a:xfrm>
-      </p:grpSpPr>
-      <p:sp>
-        <p:nvSpPr>
-          <p:cNvPr id="5" name="Content Placeholder 4">
-            <a:extLst>
-              <a:ext uri="{FF2B5EF4-FFF2-40B4-BE49-F238E27FC236}">
-                <a16:creationId xmlns:a16="http://schemas.microsoft.com/office/drawing/2014/main" id="{91424390-4707-D9C5-31FA-3892C6AE1F2E}"/>
-              </a:ext>
-            </a:extLst>
-          </p:cNvPr>
-          <p:cNvSpPr>
-            <a:spLocks noGrp="1"/>
-          </p:cNvSpPr>
-          <p:nvPr>
-            <p:ph idx="1"/>
-          </p:nvPr>
-        </p:nvSpPr>
-        <p:spPr>
-          <a:xfrm>
-            <a:off x="838200" y="2597285"/>
-            <a:ext cx="4846320" cy="3314417"/>
-          </a:xfrm>
-        </p:spPr>
-        <p:txBody>
-          <a:bodyPr/>
-          <a:lstStyle/>
-          <a:p>
-            <a:r>
-              <a:rPr lang="en-US" dirty="0"/>
-              <a:t>Question 1: Is your data accurate?</a:t>
-            </a:r>
-          </a:p>
-        </p:txBody>
-      </p:sp>
-      <p:sp>
-        <p:nvSpPr>
-          <p:cNvPr id="6" name="Content Placeholder 5">
-            <a:extLst>
-              <a:ext uri="{FF2B5EF4-FFF2-40B4-BE49-F238E27FC236}">
-                <a16:creationId xmlns:a16="http://schemas.microsoft.com/office/drawing/2014/main" id="{CB1160D8-02B0-25C9-556E-58CAB7C006B6}"/>
-              </a:ext>
-            </a:extLst>
-          </p:cNvPr>
-          <p:cNvSpPr>
-            <a:spLocks noGrp="1"/>
-          </p:cNvSpPr>
-          <p:nvPr>
-            <p:ph idx="13"/>
-          </p:nvPr>
-        </p:nvSpPr>
-        <p:spPr>
-          <a:xfrm>
-            <a:off x="6507480" y="2597285"/>
-            <a:ext cx="4846320" cy="3314417"/>
-          </a:xfrm>
-        </p:spPr>
-        <p:txBody>
-          <a:bodyPr/>
-          <a:lstStyle/>
-          <a:p>
-            <a:r>
-              <a:rPr lang="en-US" dirty="0"/>
-              <a:t>Question 2: Are there questions that I should be asking but didn’t?</a:t>
-            </a:r>
-          </a:p>
-        </p:txBody>
-      </p:sp>
-      <p:sp>
-        <p:nvSpPr>
-          <p:cNvPr id="4" name="Title 3">
-            <a:extLst>
-              <a:ext uri="{FF2B5EF4-FFF2-40B4-BE49-F238E27FC236}">
-                <a16:creationId xmlns:a16="http://schemas.microsoft.com/office/drawing/2014/main" id="{4E06E745-BD87-F5C1-ADBC-6F011F651140}"/>
-              </a:ext>
-            </a:extLst>
-          </p:cNvPr>
-          <p:cNvSpPr>
-            <a:spLocks noGrp="1"/>
-          </p:cNvSpPr>
-          <p:nvPr>
-            <p:ph type="title"/>
-          </p:nvPr>
-        </p:nvSpPr>
-        <p:spPr/>
-        <p:txBody>
-          <a:bodyPr/>
-          <a:lstStyle/>
-          <a:p>
-            <a:r>
-              <a:rPr lang="en-US" dirty="0"/>
-              <a:t>Action Item: Review Data</a:t>
-            </a:r>
-          </a:p>
-        </p:txBody>
-      </p:sp>
-      <p:sp>
-        <p:nvSpPr>
-          <p:cNvPr id="8" name="TextBox 7">
-            <a:extLst>
-              <a:ext uri="{FF2B5EF4-FFF2-40B4-BE49-F238E27FC236}">
-                <a16:creationId xmlns:a16="http://schemas.microsoft.com/office/drawing/2014/main" id="{7B874E3D-FF5F-2240-D4F1-32F0F151DFD7}"/>
-              </a:ext>
-            </a:extLst>
-          </p:cNvPr>
-          <p:cNvSpPr txBox="1"/>
-          <p:nvPr/>
-        </p:nvSpPr>
-        <p:spPr>
-          <a:xfrm>
-            <a:off x="1948124" y="1690688"/>
-            <a:ext cx="8489653" cy="584775"/>
-          </a:xfrm>
-          <a:prstGeom prst="rect">
-            <a:avLst/>
-          </a:prstGeom>
-          <a:noFill/>
-        </p:spPr>
-        <p:txBody>
-          <a:bodyPr wrap="square">
-            <a:spAutoFit/>
-          </a:bodyPr>
-          <a:lstStyle/>
-          <a:p>
-            <a:r>
-              <a:rPr lang="en-US" sz="3200" b="1" dirty="0"/>
-              <a:t>https://ucdrones-research.github.io/rocketry/</a:t>
-            </a:r>
-          </a:p>
-        </p:txBody>
-      </p:sp>
-      <p:sp>
-        <p:nvSpPr>
-          <p:cNvPr id="9" name="TextBox 8">
-            <a:extLst>
-              <a:ext uri="{FF2B5EF4-FFF2-40B4-BE49-F238E27FC236}">
-                <a16:creationId xmlns:a16="http://schemas.microsoft.com/office/drawing/2014/main" id="{EE22146A-7E4E-2156-2478-D8FF6C6DC071}"/>
-              </a:ext>
-            </a:extLst>
-          </p:cNvPr>
-          <p:cNvSpPr txBox="1"/>
-          <p:nvPr/>
-        </p:nvSpPr>
-        <p:spPr>
-          <a:xfrm>
-            <a:off x="3103123" y="3753464"/>
-            <a:ext cx="5162793" cy="1569660"/>
-          </a:xfrm>
-          <a:prstGeom prst="rect">
-            <a:avLst/>
-          </a:prstGeom>
-          <a:noFill/>
-        </p:spPr>
-        <p:txBody>
-          <a:bodyPr wrap="square" rtlCol="0">
-            <a:spAutoFit/>
-          </a:bodyPr>
-          <a:lstStyle/>
-          <a:p>
-            <a:pPr algn="ctr"/>
-            <a:r>
-              <a:rPr lang="en-US" sz="3200" b="1" dirty="0"/>
-              <a:t>What pieces of information should your campus know about your group?</a:t>
-            </a:r>
-          </a:p>
-        </p:txBody>
-      </p:sp>
-      <p:sp>
-        <p:nvSpPr>
-          <p:cNvPr id="10" name="TextBox 9">
-            <a:extLst>
-              <a:ext uri="{FF2B5EF4-FFF2-40B4-BE49-F238E27FC236}">
-                <a16:creationId xmlns:a16="http://schemas.microsoft.com/office/drawing/2014/main" id="{9C53753E-B7F8-CA1E-934C-1B99FE0AC3E0}"/>
-              </a:ext>
-            </a:extLst>
-          </p:cNvPr>
-          <p:cNvSpPr txBox="1"/>
-          <p:nvPr/>
-        </p:nvSpPr>
-        <p:spPr>
-          <a:xfrm>
-            <a:off x="4574668" y="5484035"/>
-            <a:ext cx="1997663" cy="369332"/>
-          </a:xfrm>
-          <a:prstGeom prst="rect">
-            <a:avLst/>
-          </a:prstGeom>
-          <a:noFill/>
-        </p:spPr>
-        <p:txBody>
-          <a:bodyPr wrap="none" rtlCol="0">
-            <a:spAutoFit/>
-          </a:bodyPr>
-          <a:lstStyle/>
-          <a:p>
-            <a:r>
-              <a:rPr lang="en-US" b="1" dirty="0"/>
-              <a:t>Due: December 19</a:t>
-            </a:r>
-          </a:p>
-        </p:txBody>
-      </p:sp>
-    </p:spTree>
-    <p:extLst>
-      <p:ext uri="{BB962C8B-B14F-4D97-AF65-F5344CB8AC3E}">
-        <p14:creationId xmlns:p14="http://schemas.microsoft.com/office/powerpoint/2010/main" val="1414679680"/>
-      </p:ext>
-    </p:extLst>
-  </p:cSld>
-  <p:clrMapOvr>
-    <a:masterClrMapping/>
-  </p:clrMapOvr>
-</p:sld>
+<file path=ppt/tags/tag1.xml><?xml version="1.0" encoding="utf-8"?>
+<p:tagLst xmlns:a="http://schemas.openxmlformats.org/drawingml/2006/main" xmlns:r="http://schemas.openxmlformats.org/officeDocument/2006/relationships" xmlns:p="http://schemas.openxmlformats.org/presentationml/2006/main">
+  <p:tag name="ARTICULATE_SLIDE_COUNT" val="17"/>
+  <p:tag name="ARTICULATE_PROJECT_OPEN" val="0"/>
+</p:tagLst>
 </file>
 
-<file path=ppt/tags/tag1.xml><?xml version="1.0" encoding="utf-8"?>
+<file path=ppt/tags/tag10.xml><?xml version="1.0" encoding="utf-8"?>
+<p:tagLst xmlns:a="http://schemas.openxmlformats.org/drawingml/2006/main" xmlns:r="http://schemas.openxmlformats.org/officeDocument/2006/relationships" xmlns:p="http://schemas.openxmlformats.org/presentationml/2006/main">
+  <p:tag name="ARTICULATE_SLIDE_THUMBNAIL_REFRESH" val="1"/>
+</p:tagLst>
+</file>
+
+<file path=ppt/tags/tag11.xml><?xml version="1.0" encoding="utf-8"?>
+<p:tagLst xmlns:a="http://schemas.openxmlformats.org/drawingml/2006/main" xmlns:r="http://schemas.openxmlformats.org/officeDocument/2006/relationships" xmlns:p="http://schemas.openxmlformats.org/presentationml/2006/main">
+  <p:tag name="ARTICULATE_SLIDE_THUMBNAIL_REFRESH" val="1"/>
+</p:tagLst>
+</file>
+
+<file path=ppt/tags/tag12.xml><?xml version="1.0" encoding="utf-8"?>
+<p:tagLst xmlns:a="http://schemas.openxmlformats.org/drawingml/2006/main" xmlns:r="http://schemas.openxmlformats.org/officeDocument/2006/relationships" xmlns:p="http://schemas.openxmlformats.org/presentationml/2006/main">
+  <p:tag name="ARTICULATE_SLIDE_THUMBNAIL_REFRESH" val="1"/>
+</p:tagLst>
+</file>
+
+<file path=ppt/tags/tag13.xml><?xml version="1.0" encoding="utf-8"?>
+<p:tagLst xmlns:a="http://schemas.openxmlformats.org/drawingml/2006/main" xmlns:r="http://schemas.openxmlformats.org/officeDocument/2006/relationships" xmlns:p="http://schemas.openxmlformats.org/presentationml/2006/main">
+  <p:tag name="ARTICULATE_SLIDE_THUMBNAIL_REFRESH" val="1"/>
+</p:tagLst>
+</file>
+
+<file path=ppt/tags/tag14.xml><?xml version="1.0" encoding="utf-8"?>
+<p:tagLst xmlns:a="http://schemas.openxmlformats.org/drawingml/2006/main" xmlns:r="http://schemas.openxmlformats.org/officeDocument/2006/relationships" xmlns:p="http://schemas.openxmlformats.org/presentationml/2006/main">
+  <p:tag name="ARTICULATE_SLIDE_THUMBNAIL_REFRESH" val="1"/>
+</p:tagLst>
+</file>
+
+<file path=ppt/tags/tag15.xml><?xml version="1.0" encoding="utf-8"?>
+<p:tagLst xmlns:a="http://schemas.openxmlformats.org/drawingml/2006/main" xmlns:r="http://schemas.openxmlformats.org/officeDocument/2006/relationships" xmlns:p="http://schemas.openxmlformats.org/presentationml/2006/main">
+  <p:tag name="ARTICULATE_SLIDE_THUMBNAIL_REFRESH" val="1"/>
+</p:tagLst>
+</file>
+
+<file path=ppt/tags/tag16.xml><?xml version="1.0" encoding="utf-8"?>
+<p:tagLst xmlns:a="http://schemas.openxmlformats.org/drawingml/2006/main" xmlns:r="http://schemas.openxmlformats.org/officeDocument/2006/relationships" xmlns:p="http://schemas.openxmlformats.org/presentationml/2006/main">
+  <p:tag name="ARTICULATE_SLIDE_THUMBNAIL_REFRESH" val="1"/>
+</p:tagLst>
+</file>
+
+<file path=ppt/tags/tag17.xml><?xml version="1.0" encoding="utf-8"?>
+<p:tagLst xmlns:a="http://schemas.openxmlformats.org/drawingml/2006/main" xmlns:r="http://schemas.openxmlformats.org/officeDocument/2006/relationships" xmlns:p="http://schemas.openxmlformats.org/presentationml/2006/main">
+  <p:tag name="ARTICULATE_SLIDE_THUMBNAIL_REFRESH" val="1"/>
+</p:tagLst>
+</file>
+
+<file path=ppt/tags/tag18.xml><?xml version="1.0" encoding="utf-8"?>
+<p:tagLst xmlns:a="http://schemas.openxmlformats.org/drawingml/2006/main" xmlns:r="http://schemas.openxmlformats.org/officeDocument/2006/relationships" xmlns:p="http://schemas.openxmlformats.org/presentationml/2006/main">
+  <p:tag name="ARTICULATE_SLIDE_THUMBNAIL_REFRESH" val="1"/>
+</p:tagLst>
+</file>
+
+<file path=ppt/tags/tag19.xml><?xml version="1.0" encoding="utf-8"?>
 <p:tagLst xmlns:a="http://schemas.openxmlformats.org/drawingml/2006/main" xmlns:r="http://schemas.openxmlformats.org/officeDocument/2006/relationships" xmlns:p="http://schemas.openxmlformats.org/presentationml/2006/main">
   <p:tag name="ARTICULATE_SLIDE_THUMBNAIL_REFRESH" val="1"/>
 </p:tagLst>
 </file>
 
 <file path=ppt/tags/tag2.xml><?xml version="1.0" encoding="utf-8"?>
+<p:tagLst xmlns:a="http://schemas.openxmlformats.org/drawingml/2006/main" xmlns:r="http://schemas.openxmlformats.org/officeDocument/2006/relationships" xmlns:p="http://schemas.openxmlformats.org/presentationml/2006/main">
+  <p:tag name="ARTICULATE_SLIDE_THUMBNAIL_REFRESH" val="1"/>
+</p:tagLst>
+</file>
+
+<file path=ppt/tags/tag20.xml><?xml version="1.0" encoding="utf-8"?>
+<p:tagLst xmlns:a="http://schemas.openxmlformats.org/drawingml/2006/main" xmlns:r="http://schemas.openxmlformats.org/officeDocument/2006/relationships" xmlns:p="http://schemas.openxmlformats.org/presentationml/2006/main">
+  <p:tag name="ARTICULATE_SLIDE_THUMBNAIL_REFRESH" val="1"/>
+</p:tagLst>
+</file>
+
+<file path=ppt/tags/tag21.xml><?xml version="1.0" encoding="utf-8"?>
+<p:tagLst xmlns:a="http://schemas.openxmlformats.org/drawingml/2006/main" xmlns:r="http://schemas.openxmlformats.org/officeDocument/2006/relationships" xmlns:p="http://schemas.openxmlformats.org/presentationml/2006/main">
+  <p:tag name="ARTICULATE_SLIDE_THUMBNAIL_REFRESH" val="1"/>
+</p:tagLst>
+</file>
+
+<file path=ppt/tags/tag22.xml><?xml version="1.0" encoding="utf-8"?>
 <p:tagLst xmlns:a="http://schemas.openxmlformats.org/drawingml/2006/main" xmlns:r="http://schemas.openxmlformats.org/officeDocument/2006/relationships" xmlns:p="http://schemas.openxmlformats.org/presentationml/2006/main">
   <p:tag name="ARTICULATE_SLIDE_THUMBNAIL_REFRESH" val="1"/>
 </p:tagLst>
@@ -10119,6 +11143,30 @@
 </file>
 
 <file path=ppt/tags/tag5.xml><?xml version="1.0" encoding="utf-8"?>
+<p:tagLst xmlns:a="http://schemas.openxmlformats.org/drawingml/2006/main" xmlns:r="http://schemas.openxmlformats.org/officeDocument/2006/relationships" xmlns:p="http://schemas.openxmlformats.org/presentationml/2006/main">
+  <p:tag name="ARTICULATE_SLIDE_THUMBNAIL_REFRESH" val="1"/>
+</p:tagLst>
+</file>
+
+<file path=ppt/tags/tag6.xml><?xml version="1.0" encoding="utf-8"?>
+<p:tagLst xmlns:a="http://schemas.openxmlformats.org/drawingml/2006/main" xmlns:r="http://schemas.openxmlformats.org/officeDocument/2006/relationships" xmlns:p="http://schemas.openxmlformats.org/presentationml/2006/main">
+  <p:tag name="ARTICULATE_SLIDE_THUMBNAIL_REFRESH" val="1"/>
+</p:tagLst>
+</file>
+
+<file path=ppt/tags/tag7.xml><?xml version="1.0" encoding="utf-8"?>
+<p:tagLst xmlns:a="http://schemas.openxmlformats.org/drawingml/2006/main" xmlns:r="http://schemas.openxmlformats.org/officeDocument/2006/relationships" xmlns:p="http://schemas.openxmlformats.org/presentationml/2006/main">
+  <p:tag name="ARTICULATE_SLIDE_THUMBNAIL_REFRESH" val="1"/>
+</p:tagLst>
+</file>
+
+<file path=ppt/tags/tag8.xml><?xml version="1.0" encoding="utf-8"?>
+<p:tagLst xmlns:a="http://schemas.openxmlformats.org/drawingml/2006/main" xmlns:r="http://schemas.openxmlformats.org/officeDocument/2006/relationships" xmlns:p="http://schemas.openxmlformats.org/presentationml/2006/main">
+  <p:tag name="ARTICULATE_SLIDE_THUMBNAIL_REFRESH" val="1"/>
+</p:tagLst>
+</file>
+
+<file path=ppt/tags/tag9.xml><?xml version="1.0" encoding="utf-8"?>
 <p:tagLst xmlns:a="http://schemas.openxmlformats.org/drawingml/2006/main" xmlns:r="http://schemas.openxmlformats.org/officeDocument/2006/relationships" xmlns:p="http://schemas.openxmlformats.org/presentationml/2006/main">
   <p:tag name="ARTICULATE_SLIDE_THUMBNAIL_REFRESH" val="1"/>
 </p:tagLst>
